--- a/lectures/12_SML_predicting-data-streams/12_3_Regression.pptx
+++ b/lectures/12_SML_predicting-data-streams/12_3_Regression.pptx
@@ -5,7 +5,7 @@
     <p:sldMasterId id="2147483676" r:id="rId1"/>
   </p:sldMasterIdLst>
   <p:notesMasterIdLst>
-    <p:notesMasterId r:id="rId11"/>
+    <p:notesMasterId r:id="rId14"/>
   </p:notesMasterIdLst>
   <p:sldIdLst>
     <p:sldId id="384" r:id="rId2"/>
@@ -13,10 +13,13 @@
     <p:sldId id="1687" r:id="rId4"/>
     <p:sldId id="10997" r:id="rId5"/>
     <p:sldId id="10996" r:id="rId6"/>
-    <p:sldId id="11013" r:id="rId7"/>
-    <p:sldId id="10964" r:id="rId8"/>
-    <p:sldId id="10927" r:id="rId9"/>
-    <p:sldId id="10966" r:id="rId10"/>
+    <p:sldId id="11015" r:id="rId7"/>
+    <p:sldId id="11016" r:id="rId8"/>
+    <p:sldId id="11013" r:id="rId9"/>
+    <p:sldId id="11014" r:id="rId10"/>
+    <p:sldId id="10964" r:id="rId11"/>
+    <p:sldId id="10927" r:id="rId12"/>
+    <p:sldId id="10966" r:id="rId13"/>
   </p:sldIdLst>
   <p:sldSz cx="12192000" cy="6858000"/>
   <p:notesSz cx="6858000" cy="9144000"/>
@@ -121,6 +124,12 @@
     </p:ext>
   </p:extLst>
 </p:presentation>
+</file>
+
+<file path=ppt/authors.xml><?xml version="1.0" encoding="utf-8"?>
+<p188:authorLst xmlns:a="http://schemas.openxmlformats.org/drawingml/2006/main" xmlns:r="http://schemas.openxmlformats.org/officeDocument/2006/relationships" xmlns:p188="http://schemas.microsoft.com/office/powerpoint/2018/8/main">
+  <p188:author id="{C8B62B74-6749-A9F7-7EA8-EDBD46F3EF68}" name="Alessio Bernardo" initials="AB" userId="S::alessio.bernardo@motusml.com::1fe4d5f5-c858-465c-976a-e6383725dabd" providerId="AD"/>
+</p188:authorLst>
 </file>
 
 <file path=ppt/commentAuthors.xml><?xml version="1.0" encoding="utf-8"?>
@@ -865,7 +874,7 @@
           <a:p>
             <a:fld id="{CC7A41CC-C61C-2F43-A643-7ED1F9C31B07}" type="datetimeFigureOut">
               <a:rPr lang="it-IT" smtClean="0"/>
-              <a:t>02/11/23</a:t>
+              <a:t>21/11/23</a:t>
             </a:fld>
             <a:endParaRPr lang="it-IT" dirty="0"/>
           </a:p>
@@ -1217,7 +1226,7 @@
 </p:notes>
 </file>
 
-<file path=ppt/notesSlides/notesSlide2.xml><?xml version="1.0" encoding="utf-8"?>
+<file path=ppt/notesSlides/notesSlide10.xml><?xml version="1.0" encoding="utf-8"?>
 <p:notes xmlns:a="http://schemas.openxmlformats.org/drawingml/2006/main" xmlns:r="http://schemas.openxmlformats.org/officeDocument/2006/relationships" xmlns:p="http://schemas.openxmlformats.org/presentationml/2006/main" showMasterSp="0" showMasterPhAnim="0">
   <p:cSld>
     <p:spTree>
@@ -1338,7 +1347,7 @@
 </p:notes>
 </file>
 
-<file path=ppt/notesSlides/notesSlide3.xml><?xml version="1.0" encoding="utf-8"?>
+<file path=ppt/notesSlides/notesSlide11.xml><?xml version="1.0" encoding="utf-8"?>
 <p:notes xmlns:a="http://schemas.openxmlformats.org/drawingml/2006/main" xmlns:r="http://schemas.openxmlformats.org/officeDocument/2006/relationships" xmlns:p="http://schemas.openxmlformats.org/presentationml/2006/main">
   <p:cSld>
     <p:spTree>
@@ -1357,7 +1366,7 @@
       </p:grpSpPr>
       <p:sp>
         <p:nvSpPr>
-          <p:cNvPr id="2" name="Segnaposto immagine diapositiva 1"/>
+          <p:cNvPr id="2" name="Slide Image Placeholder 1"/>
           <p:cNvSpPr>
             <a:spLocks noGrp="1" noRot="1" noChangeAspect="1"/>
           </p:cNvSpPr>
@@ -1369,7 +1378,7 @@
       </p:sp>
       <p:sp>
         <p:nvSpPr>
-          <p:cNvPr id="3" name="Segnaposto note 2"/>
+          <p:cNvPr id="3" name="Notes Placeholder 2"/>
           <p:cNvSpPr>
             <a:spLocks noGrp="1"/>
           </p:cNvSpPr>
@@ -1382,13 +1391,13 @@
           <a:bodyPr/>
           <a:lstStyle/>
           <a:p>
-            <a:endParaRPr lang="it-IT" dirty="0"/>
-          </a:p>
-        </p:txBody>
-      </p:sp>
-      <p:sp>
-        <p:nvSpPr>
-          <p:cNvPr id="4" name="Segnaposto numero diapositiva 3"/>
+            <a:endParaRPr lang="en-US" dirty="0"/>
+          </a:p>
+        </p:txBody>
+      </p:sp>
+      <p:sp>
+        <p:nvSpPr>
+          <p:cNvPr id="4" name="Slide Number Placeholder 3"/>
           <p:cNvSpPr>
             <a:spLocks noGrp="1"/>
           </p:cNvSpPr>
@@ -1403,7 +1412,7 @@
           <a:p>
             <a:fld id="{9437CFB8-1D29-8F41-8017-7BC346241577}" type="slidenum">
               <a:rPr lang="it-IT" smtClean="0"/>
-              <a:t>3</a:t>
+              <a:t>12</a:t>
             </a:fld>
             <a:endParaRPr lang="it-IT" dirty="0"/>
           </a:p>
@@ -1412,7 +1421,7 @@
     </p:spTree>
     <p:extLst>
       <p:ext uri="{BB962C8B-B14F-4D97-AF65-F5344CB8AC3E}">
-        <p14:creationId xmlns:p14="http://schemas.microsoft.com/office/powerpoint/2010/main" val="4214479044"/>
+        <p14:creationId xmlns:p14="http://schemas.microsoft.com/office/powerpoint/2010/main" val="2027603892"/>
       </p:ext>
     </p:extLst>
   </p:cSld>
@@ -1422,259 +1431,7 @@
 </p:notes>
 </file>
 
-<file path=ppt/notesSlides/notesSlide4.xml><?xml version="1.0" encoding="utf-8"?>
-<p:notes xmlns:a="http://schemas.openxmlformats.org/drawingml/2006/main" xmlns:r="http://schemas.openxmlformats.org/officeDocument/2006/relationships" xmlns:p="http://schemas.openxmlformats.org/presentationml/2006/main">
-  <p:cSld>
-    <p:spTree>
-      <p:nvGrpSpPr>
-        <p:cNvPr id="1" name=""/>
-        <p:cNvGrpSpPr/>
-        <p:nvPr/>
-      </p:nvGrpSpPr>
-      <p:grpSpPr>
-        <a:xfrm>
-          <a:off x="0" y="0"/>
-          <a:ext cx="0" cy="0"/>
-          <a:chOff x="0" y="0"/>
-          <a:chExt cx="0" cy="0"/>
-        </a:xfrm>
-      </p:grpSpPr>
-      <p:sp>
-        <p:nvSpPr>
-          <p:cNvPr id="2" name="Segnaposto immagine diapositiva 1"/>
-          <p:cNvSpPr>
-            <a:spLocks noGrp="1" noRot="1" noChangeAspect="1"/>
-          </p:cNvSpPr>
-          <p:nvPr>
-            <p:ph type="sldImg"/>
-          </p:nvPr>
-        </p:nvSpPr>
-        <p:spPr/>
-      </p:sp>
-      <p:sp>
-        <p:nvSpPr>
-          <p:cNvPr id="3" name="Segnaposto note 2"/>
-          <p:cNvSpPr>
-            <a:spLocks noGrp="1"/>
-          </p:cNvSpPr>
-          <p:nvPr>
-            <p:ph type="body" idx="1"/>
-          </p:nvPr>
-        </p:nvSpPr>
-        <p:spPr/>
-        <p:txBody>
-          <a:bodyPr/>
-          <a:lstStyle/>
-          <a:p>
-            <a:endParaRPr lang="it-IT" dirty="0"/>
-          </a:p>
-        </p:txBody>
-      </p:sp>
-      <p:sp>
-        <p:nvSpPr>
-          <p:cNvPr id="4" name="Segnaposto numero diapositiva 3"/>
-          <p:cNvSpPr>
-            <a:spLocks noGrp="1"/>
-          </p:cNvSpPr>
-          <p:nvPr>
-            <p:ph type="sldNum" sz="quarter" idx="5"/>
-          </p:nvPr>
-        </p:nvSpPr>
-        <p:spPr/>
-        <p:txBody>
-          <a:bodyPr/>
-          <a:lstStyle/>
-          <a:p>
-            <a:fld id="{9437CFB8-1D29-8F41-8017-7BC346241577}" type="slidenum">
-              <a:rPr lang="it-IT" smtClean="0"/>
-              <a:t>4</a:t>
-            </a:fld>
-            <a:endParaRPr lang="it-IT" dirty="0"/>
-          </a:p>
-        </p:txBody>
-      </p:sp>
-    </p:spTree>
-    <p:extLst>
-      <p:ext uri="{BB962C8B-B14F-4D97-AF65-F5344CB8AC3E}">
-        <p14:creationId xmlns:p14="http://schemas.microsoft.com/office/powerpoint/2010/main" val="3092663973"/>
-      </p:ext>
-    </p:extLst>
-  </p:cSld>
-  <p:clrMapOvr>
-    <a:masterClrMapping/>
-  </p:clrMapOvr>
-</p:notes>
-</file>
-
-<file path=ppt/notesSlides/notesSlide5.xml><?xml version="1.0" encoding="utf-8"?>
-<p:notes xmlns:a="http://schemas.openxmlformats.org/drawingml/2006/main" xmlns:r="http://schemas.openxmlformats.org/officeDocument/2006/relationships" xmlns:p="http://schemas.openxmlformats.org/presentationml/2006/main">
-  <p:cSld>
-    <p:spTree>
-      <p:nvGrpSpPr>
-        <p:cNvPr id="1" name=""/>
-        <p:cNvGrpSpPr/>
-        <p:nvPr/>
-      </p:nvGrpSpPr>
-      <p:grpSpPr>
-        <a:xfrm>
-          <a:off x="0" y="0"/>
-          <a:ext cx="0" cy="0"/>
-          <a:chOff x="0" y="0"/>
-          <a:chExt cx="0" cy="0"/>
-        </a:xfrm>
-      </p:grpSpPr>
-      <p:sp>
-        <p:nvSpPr>
-          <p:cNvPr id="2" name="Segnaposto immagine diapositiva 1"/>
-          <p:cNvSpPr>
-            <a:spLocks noGrp="1" noRot="1" noChangeAspect="1"/>
-          </p:cNvSpPr>
-          <p:nvPr>
-            <p:ph type="sldImg"/>
-          </p:nvPr>
-        </p:nvSpPr>
-        <p:spPr/>
-      </p:sp>
-      <p:sp>
-        <p:nvSpPr>
-          <p:cNvPr id="3" name="Segnaposto note 2"/>
-          <p:cNvSpPr>
-            <a:spLocks noGrp="1"/>
-          </p:cNvSpPr>
-          <p:nvPr>
-            <p:ph type="body" idx="1"/>
-          </p:nvPr>
-        </p:nvSpPr>
-        <p:spPr/>
-        <p:txBody>
-          <a:bodyPr/>
-          <a:lstStyle/>
-          <a:p>
-            <a:endParaRPr lang="it-IT" dirty="0"/>
-          </a:p>
-        </p:txBody>
-      </p:sp>
-      <p:sp>
-        <p:nvSpPr>
-          <p:cNvPr id="4" name="Segnaposto numero diapositiva 3"/>
-          <p:cNvSpPr>
-            <a:spLocks noGrp="1"/>
-          </p:cNvSpPr>
-          <p:nvPr>
-            <p:ph type="sldNum" sz="quarter" idx="5"/>
-          </p:nvPr>
-        </p:nvSpPr>
-        <p:spPr/>
-        <p:txBody>
-          <a:bodyPr/>
-          <a:lstStyle/>
-          <a:p>
-            <a:fld id="{9437CFB8-1D29-8F41-8017-7BC346241577}" type="slidenum">
-              <a:rPr lang="it-IT" smtClean="0"/>
-              <a:t>5</a:t>
-            </a:fld>
-            <a:endParaRPr lang="it-IT" dirty="0"/>
-          </a:p>
-        </p:txBody>
-      </p:sp>
-    </p:spTree>
-    <p:extLst>
-      <p:ext uri="{BB962C8B-B14F-4D97-AF65-F5344CB8AC3E}">
-        <p14:creationId xmlns:p14="http://schemas.microsoft.com/office/powerpoint/2010/main" val="464642004"/>
-      </p:ext>
-    </p:extLst>
-  </p:cSld>
-  <p:clrMapOvr>
-    <a:masterClrMapping/>
-  </p:clrMapOvr>
-</p:notes>
-</file>
-
-<file path=ppt/notesSlides/notesSlide6.xml><?xml version="1.0" encoding="utf-8"?>
-<p:notes xmlns:a="http://schemas.openxmlformats.org/drawingml/2006/main" xmlns:r="http://schemas.openxmlformats.org/officeDocument/2006/relationships" xmlns:p="http://schemas.openxmlformats.org/presentationml/2006/main">
-  <p:cSld>
-    <p:spTree>
-      <p:nvGrpSpPr>
-        <p:cNvPr id="1" name=""/>
-        <p:cNvGrpSpPr/>
-        <p:nvPr/>
-      </p:nvGrpSpPr>
-      <p:grpSpPr>
-        <a:xfrm>
-          <a:off x="0" y="0"/>
-          <a:ext cx="0" cy="0"/>
-          <a:chOff x="0" y="0"/>
-          <a:chExt cx="0" cy="0"/>
-        </a:xfrm>
-      </p:grpSpPr>
-      <p:sp>
-        <p:nvSpPr>
-          <p:cNvPr id="2" name="Segnaposto immagine diapositiva 1"/>
-          <p:cNvSpPr>
-            <a:spLocks noGrp="1" noRot="1" noChangeAspect="1"/>
-          </p:cNvSpPr>
-          <p:nvPr>
-            <p:ph type="sldImg"/>
-          </p:nvPr>
-        </p:nvSpPr>
-        <p:spPr/>
-      </p:sp>
-      <p:sp>
-        <p:nvSpPr>
-          <p:cNvPr id="3" name="Segnaposto note 2"/>
-          <p:cNvSpPr>
-            <a:spLocks noGrp="1"/>
-          </p:cNvSpPr>
-          <p:nvPr>
-            <p:ph type="body" idx="1"/>
-          </p:nvPr>
-        </p:nvSpPr>
-        <p:spPr/>
-        <p:txBody>
-          <a:bodyPr/>
-          <a:lstStyle/>
-          <a:p>
-            <a:endParaRPr lang="it-IT" dirty="0"/>
-          </a:p>
-        </p:txBody>
-      </p:sp>
-      <p:sp>
-        <p:nvSpPr>
-          <p:cNvPr id="4" name="Segnaposto numero diapositiva 3"/>
-          <p:cNvSpPr>
-            <a:spLocks noGrp="1"/>
-          </p:cNvSpPr>
-          <p:nvPr>
-            <p:ph type="sldNum" sz="quarter" idx="5"/>
-          </p:nvPr>
-        </p:nvSpPr>
-        <p:spPr/>
-        <p:txBody>
-          <a:bodyPr/>
-          <a:lstStyle/>
-          <a:p>
-            <a:fld id="{9437CFB8-1D29-8F41-8017-7BC346241577}" type="slidenum">
-              <a:rPr lang="it-IT" smtClean="0"/>
-              <a:t>6</a:t>
-            </a:fld>
-            <a:endParaRPr lang="it-IT" dirty="0"/>
-          </a:p>
-        </p:txBody>
-      </p:sp>
-    </p:spTree>
-    <p:extLst>
-      <p:ext uri="{BB962C8B-B14F-4D97-AF65-F5344CB8AC3E}">
-        <p14:creationId xmlns:p14="http://schemas.microsoft.com/office/powerpoint/2010/main" val="1507393241"/>
-      </p:ext>
-    </p:extLst>
-  </p:cSld>
-  <p:clrMapOvr>
-    <a:masterClrMapping/>
-  </p:clrMapOvr>
-</p:notes>
-</file>
-
-<file path=ppt/notesSlides/notesSlide7.xml><?xml version="1.0" encoding="utf-8"?>
+<file path=ppt/notesSlides/notesSlide2.xml><?xml version="1.0" encoding="utf-8"?>
 <p:notes xmlns:a="http://schemas.openxmlformats.org/drawingml/2006/main" xmlns:r="http://schemas.openxmlformats.org/officeDocument/2006/relationships" xmlns:p="http://schemas.openxmlformats.org/presentationml/2006/main" showMasterSp="0" showMasterPhAnim="0">
   <p:cSld>
     <p:spTree>
@@ -1795,6 +1552,426 @@
 </p:notes>
 </file>
 
+<file path=ppt/notesSlides/notesSlide3.xml><?xml version="1.0" encoding="utf-8"?>
+<p:notes xmlns:a="http://schemas.openxmlformats.org/drawingml/2006/main" xmlns:r="http://schemas.openxmlformats.org/officeDocument/2006/relationships" xmlns:p="http://schemas.openxmlformats.org/presentationml/2006/main">
+  <p:cSld>
+    <p:spTree>
+      <p:nvGrpSpPr>
+        <p:cNvPr id="1" name=""/>
+        <p:cNvGrpSpPr/>
+        <p:nvPr/>
+      </p:nvGrpSpPr>
+      <p:grpSpPr>
+        <a:xfrm>
+          <a:off x="0" y="0"/>
+          <a:ext cx="0" cy="0"/>
+          <a:chOff x="0" y="0"/>
+          <a:chExt cx="0" cy="0"/>
+        </a:xfrm>
+      </p:grpSpPr>
+      <p:sp>
+        <p:nvSpPr>
+          <p:cNvPr id="2" name="Segnaposto immagine diapositiva 1"/>
+          <p:cNvSpPr>
+            <a:spLocks noGrp="1" noRot="1" noChangeAspect="1"/>
+          </p:cNvSpPr>
+          <p:nvPr>
+            <p:ph type="sldImg"/>
+          </p:nvPr>
+        </p:nvSpPr>
+        <p:spPr/>
+      </p:sp>
+      <p:sp>
+        <p:nvSpPr>
+          <p:cNvPr id="3" name="Segnaposto note 2"/>
+          <p:cNvSpPr>
+            <a:spLocks noGrp="1"/>
+          </p:cNvSpPr>
+          <p:nvPr>
+            <p:ph type="body" idx="1"/>
+          </p:nvPr>
+        </p:nvSpPr>
+        <p:spPr/>
+        <p:txBody>
+          <a:bodyPr/>
+          <a:lstStyle/>
+          <a:p>
+            <a:endParaRPr lang="it-IT" dirty="0"/>
+          </a:p>
+        </p:txBody>
+      </p:sp>
+      <p:sp>
+        <p:nvSpPr>
+          <p:cNvPr id="4" name="Segnaposto numero diapositiva 3"/>
+          <p:cNvSpPr>
+            <a:spLocks noGrp="1"/>
+          </p:cNvSpPr>
+          <p:nvPr>
+            <p:ph type="sldNum" sz="quarter" idx="5"/>
+          </p:nvPr>
+        </p:nvSpPr>
+        <p:spPr/>
+        <p:txBody>
+          <a:bodyPr/>
+          <a:lstStyle/>
+          <a:p>
+            <a:fld id="{9437CFB8-1D29-8F41-8017-7BC346241577}" type="slidenum">
+              <a:rPr lang="it-IT" smtClean="0"/>
+              <a:t>3</a:t>
+            </a:fld>
+            <a:endParaRPr lang="it-IT" dirty="0"/>
+          </a:p>
+        </p:txBody>
+      </p:sp>
+    </p:spTree>
+    <p:extLst>
+      <p:ext uri="{BB962C8B-B14F-4D97-AF65-F5344CB8AC3E}">
+        <p14:creationId xmlns:p14="http://schemas.microsoft.com/office/powerpoint/2010/main" val="4214479044"/>
+      </p:ext>
+    </p:extLst>
+  </p:cSld>
+  <p:clrMapOvr>
+    <a:masterClrMapping/>
+  </p:clrMapOvr>
+</p:notes>
+</file>
+
+<file path=ppt/notesSlides/notesSlide4.xml><?xml version="1.0" encoding="utf-8"?>
+<p:notes xmlns:a="http://schemas.openxmlformats.org/drawingml/2006/main" xmlns:r="http://schemas.openxmlformats.org/officeDocument/2006/relationships" xmlns:p="http://schemas.openxmlformats.org/presentationml/2006/main">
+  <p:cSld>
+    <p:spTree>
+      <p:nvGrpSpPr>
+        <p:cNvPr id="1" name=""/>
+        <p:cNvGrpSpPr/>
+        <p:nvPr/>
+      </p:nvGrpSpPr>
+      <p:grpSpPr>
+        <a:xfrm>
+          <a:off x="0" y="0"/>
+          <a:ext cx="0" cy="0"/>
+          <a:chOff x="0" y="0"/>
+          <a:chExt cx="0" cy="0"/>
+        </a:xfrm>
+      </p:grpSpPr>
+      <p:sp>
+        <p:nvSpPr>
+          <p:cNvPr id="2" name="Segnaposto immagine diapositiva 1"/>
+          <p:cNvSpPr>
+            <a:spLocks noGrp="1" noRot="1" noChangeAspect="1"/>
+          </p:cNvSpPr>
+          <p:nvPr>
+            <p:ph type="sldImg"/>
+          </p:nvPr>
+        </p:nvSpPr>
+        <p:spPr/>
+      </p:sp>
+      <p:sp>
+        <p:nvSpPr>
+          <p:cNvPr id="3" name="Segnaposto note 2"/>
+          <p:cNvSpPr>
+            <a:spLocks noGrp="1"/>
+          </p:cNvSpPr>
+          <p:nvPr>
+            <p:ph type="body" idx="1"/>
+          </p:nvPr>
+        </p:nvSpPr>
+        <p:spPr/>
+        <p:txBody>
+          <a:bodyPr/>
+          <a:lstStyle/>
+          <a:p>
+            <a:endParaRPr lang="it-IT" dirty="0"/>
+          </a:p>
+        </p:txBody>
+      </p:sp>
+      <p:sp>
+        <p:nvSpPr>
+          <p:cNvPr id="4" name="Segnaposto numero diapositiva 3"/>
+          <p:cNvSpPr>
+            <a:spLocks noGrp="1"/>
+          </p:cNvSpPr>
+          <p:nvPr>
+            <p:ph type="sldNum" sz="quarter" idx="5"/>
+          </p:nvPr>
+        </p:nvSpPr>
+        <p:spPr/>
+        <p:txBody>
+          <a:bodyPr/>
+          <a:lstStyle/>
+          <a:p>
+            <a:fld id="{9437CFB8-1D29-8F41-8017-7BC346241577}" type="slidenum">
+              <a:rPr lang="it-IT" smtClean="0"/>
+              <a:t>4</a:t>
+            </a:fld>
+            <a:endParaRPr lang="it-IT" dirty="0"/>
+          </a:p>
+        </p:txBody>
+      </p:sp>
+    </p:spTree>
+    <p:extLst>
+      <p:ext uri="{BB962C8B-B14F-4D97-AF65-F5344CB8AC3E}">
+        <p14:creationId xmlns:p14="http://schemas.microsoft.com/office/powerpoint/2010/main" val="3092663973"/>
+      </p:ext>
+    </p:extLst>
+  </p:cSld>
+  <p:clrMapOvr>
+    <a:masterClrMapping/>
+  </p:clrMapOvr>
+</p:notes>
+</file>
+
+<file path=ppt/notesSlides/notesSlide5.xml><?xml version="1.0" encoding="utf-8"?>
+<p:notes xmlns:a="http://schemas.openxmlformats.org/drawingml/2006/main" xmlns:r="http://schemas.openxmlformats.org/officeDocument/2006/relationships" xmlns:p="http://schemas.openxmlformats.org/presentationml/2006/main">
+  <p:cSld>
+    <p:spTree>
+      <p:nvGrpSpPr>
+        <p:cNvPr id="1" name=""/>
+        <p:cNvGrpSpPr/>
+        <p:nvPr/>
+      </p:nvGrpSpPr>
+      <p:grpSpPr>
+        <a:xfrm>
+          <a:off x="0" y="0"/>
+          <a:ext cx="0" cy="0"/>
+          <a:chOff x="0" y="0"/>
+          <a:chExt cx="0" cy="0"/>
+        </a:xfrm>
+      </p:grpSpPr>
+      <p:sp>
+        <p:nvSpPr>
+          <p:cNvPr id="2" name="Segnaposto immagine diapositiva 1"/>
+          <p:cNvSpPr>
+            <a:spLocks noGrp="1" noRot="1" noChangeAspect="1"/>
+          </p:cNvSpPr>
+          <p:nvPr>
+            <p:ph type="sldImg"/>
+          </p:nvPr>
+        </p:nvSpPr>
+        <p:spPr/>
+      </p:sp>
+      <p:sp>
+        <p:nvSpPr>
+          <p:cNvPr id="3" name="Segnaposto note 2"/>
+          <p:cNvSpPr>
+            <a:spLocks noGrp="1"/>
+          </p:cNvSpPr>
+          <p:nvPr>
+            <p:ph type="body" idx="1"/>
+          </p:nvPr>
+        </p:nvSpPr>
+        <p:spPr/>
+        <p:txBody>
+          <a:bodyPr/>
+          <a:lstStyle/>
+          <a:p>
+            <a:endParaRPr lang="it-IT" dirty="0"/>
+          </a:p>
+        </p:txBody>
+      </p:sp>
+      <p:sp>
+        <p:nvSpPr>
+          <p:cNvPr id="4" name="Segnaposto numero diapositiva 3"/>
+          <p:cNvSpPr>
+            <a:spLocks noGrp="1"/>
+          </p:cNvSpPr>
+          <p:nvPr>
+            <p:ph type="sldNum" sz="quarter" idx="5"/>
+          </p:nvPr>
+        </p:nvSpPr>
+        <p:spPr/>
+        <p:txBody>
+          <a:bodyPr/>
+          <a:lstStyle/>
+          <a:p>
+            <a:fld id="{9437CFB8-1D29-8F41-8017-7BC346241577}" type="slidenum">
+              <a:rPr lang="it-IT" smtClean="0"/>
+              <a:t>5</a:t>
+            </a:fld>
+            <a:endParaRPr lang="it-IT" dirty="0"/>
+          </a:p>
+        </p:txBody>
+      </p:sp>
+    </p:spTree>
+    <p:extLst>
+      <p:ext uri="{BB962C8B-B14F-4D97-AF65-F5344CB8AC3E}">
+        <p14:creationId xmlns:p14="http://schemas.microsoft.com/office/powerpoint/2010/main" val="464642004"/>
+      </p:ext>
+    </p:extLst>
+  </p:cSld>
+  <p:clrMapOvr>
+    <a:masterClrMapping/>
+  </p:clrMapOvr>
+</p:notes>
+</file>
+
+<file path=ppt/notesSlides/notesSlide6.xml><?xml version="1.0" encoding="utf-8"?>
+<p:notes xmlns:a="http://schemas.openxmlformats.org/drawingml/2006/main" xmlns:r="http://schemas.openxmlformats.org/officeDocument/2006/relationships" xmlns:p="http://schemas.openxmlformats.org/presentationml/2006/main">
+  <p:cSld>
+    <p:spTree>
+      <p:nvGrpSpPr>
+        <p:cNvPr id="1" name=""/>
+        <p:cNvGrpSpPr/>
+        <p:nvPr/>
+      </p:nvGrpSpPr>
+      <p:grpSpPr>
+        <a:xfrm>
+          <a:off x="0" y="0"/>
+          <a:ext cx="0" cy="0"/>
+          <a:chOff x="0" y="0"/>
+          <a:chExt cx="0" cy="0"/>
+        </a:xfrm>
+      </p:grpSpPr>
+      <p:sp>
+        <p:nvSpPr>
+          <p:cNvPr id="2" name="Segnaposto immagine diapositiva 1"/>
+          <p:cNvSpPr>
+            <a:spLocks noGrp="1" noRot="1" noChangeAspect="1"/>
+          </p:cNvSpPr>
+          <p:nvPr>
+            <p:ph type="sldImg"/>
+          </p:nvPr>
+        </p:nvSpPr>
+        <p:spPr/>
+      </p:sp>
+      <p:sp>
+        <p:nvSpPr>
+          <p:cNvPr id="3" name="Segnaposto note 2"/>
+          <p:cNvSpPr>
+            <a:spLocks noGrp="1"/>
+          </p:cNvSpPr>
+          <p:nvPr>
+            <p:ph type="body" idx="1"/>
+          </p:nvPr>
+        </p:nvSpPr>
+        <p:spPr/>
+        <p:txBody>
+          <a:bodyPr/>
+          <a:lstStyle/>
+          <a:p>
+            <a:endParaRPr lang="it-IT" dirty="0"/>
+          </a:p>
+        </p:txBody>
+      </p:sp>
+      <p:sp>
+        <p:nvSpPr>
+          <p:cNvPr id="4" name="Segnaposto numero diapositiva 3"/>
+          <p:cNvSpPr>
+            <a:spLocks noGrp="1"/>
+          </p:cNvSpPr>
+          <p:nvPr>
+            <p:ph type="sldNum" sz="quarter" idx="5"/>
+          </p:nvPr>
+        </p:nvSpPr>
+        <p:spPr/>
+        <p:txBody>
+          <a:bodyPr/>
+          <a:lstStyle/>
+          <a:p>
+            <a:fld id="{9437CFB8-1D29-8F41-8017-7BC346241577}" type="slidenum">
+              <a:rPr lang="it-IT" smtClean="0"/>
+              <a:t>6</a:t>
+            </a:fld>
+            <a:endParaRPr lang="it-IT" dirty="0"/>
+          </a:p>
+        </p:txBody>
+      </p:sp>
+    </p:spTree>
+    <p:extLst>
+      <p:ext uri="{BB962C8B-B14F-4D97-AF65-F5344CB8AC3E}">
+        <p14:creationId xmlns:p14="http://schemas.microsoft.com/office/powerpoint/2010/main" val="231931971"/>
+      </p:ext>
+    </p:extLst>
+  </p:cSld>
+  <p:clrMapOvr>
+    <a:masterClrMapping/>
+  </p:clrMapOvr>
+</p:notes>
+</file>
+
+<file path=ppt/notesSlides/notesSlide7.xml><?xml version="1.0" encoding="utf-8"?>
+<p:notes xmlns:a="http://schemas.openxmlformats.org/drawingml/2006/main" xmlns:r="http://schemas.openxmlformats.org/officeDocument/2006/relationships" xmlns:p="http://schemas.openxmlformats.org/presentationml/2006/main">
+  <p:cSld>
+    <p:spTree>
+      <p:nvGrpSpPr>
+        <p:cNvPr id="1" name=""/>
+        <p:cNvGrpSpPr/>
+        <p:nvPr/>
+      </p:nvGrpSpPr>
+      <p:grpSpPr>
+        <a:xfrm>
+          <a:off x="0" y="0"/>
+          <a:ext cx="0" cy="0"/>
+          <a:chOff x="0" y="0"/>
+          <a:chExt cx="0" cy="0"/>
+        </a:xfrm>
+      </p:grpSpPr>
+      <p:sp>
+        <p:nvSpPr>
+          <p:cNvPr id="2" name="Segnaposto immagine diapositiva 1"/>
+          <p:cNvSpPr>
+            <a:spLocks noGrp="1" noRot="1" noChangeAspect="1"/>
+          </p:cNvSpPr>
+          <p:nvPr>
+            <p:ph type="sldImg"/>
+          </p:nvPr>
+        </p:nvSpPr>
+        <p:spPr/>
+      </p:sp>
+      <p:sp>
+        <p:nvSpPr>
+          <p:cNvPr id="3" name="Segnaposto note 2"/>
+          <p:cNvSpPr>
+            <a:spLocks noGrp="1"/>
+          </p:cNvSpPr>
+          <p:nvPr>
+            <p:ph type="body" idx="1"/>
+          </p:nvPr>
+        </p:nvSpPr>
+        <p:spPr/>
+        <p:txBody>
+          <a:bodyPr/>
+          <a:lstStyle/>
+          <a:p>
+            <a:endParaRPr lang="it-IT" dirty="0"/>
+          </a:p>
+        </p:txBody>
+      </p:sp>
+      <p:sp>
+        <p:nvSpPr>
+          <p:cNvPr id="4" name="Segnaposto numero diapositiva 3"/>
+          <p:cNvSpPr>
+            <a:spLocks noGrp="1"/>
+          </p:cNvSpPr>
+          <p:nvPr>
+            <p:ph type="sldNum" sz="quarter" idx="5"/>
+          </p:nvPr>
+        </p:nvSpPr>
+        <p:spPr/>
+        <p:txBody>
+          <a:bodyPr/>
+          <a:lstStyle/>
+          <a:p>
+            <a:fld id="{9437CFB8-1D29-8F41-8017-7BC346241577}" type="slidenum">
+              <a:rPr lang="it-IT" smtClean="0"/>
+              <a:t>7</a:t>
+            </a:fld>
+            <a:endParaRPr lang="it-IT" dirty="0"/>
+          </a:p>
+        </p:txBody>
+      </p:sp>
+    </p:spTree>
+    <p:extLst>
+      <p:ext uri="{BB962C8B-B14F-4D97-AF65-F5344CB8AC3E}">
+        <p14:creationId xmlns:p14="http://schemas.microsoft.com/office/powerpoint/2010/main" val="2362748390"/>
+      </p:ext>
+    </p:extLst>
+  </p:cSld>
+  <p:clrMapOvr>
+    <a:masterClrMapping/>
+  </p:clrMapOvr>
+</p:notes>
+</file>
+
 <file path=ppt/notesSlides/notesSlide8.xml><?xml version="1.0" encoding="utf-8"?>
 <p:notes xmlns:a="http://schemas.openxmlformats.org/drawingml/2006/main" xmlns:r="http://schemas.openxmlformats.org/officeDocument/2006/relationships" xmlns:p="http://schemas.openxmlformats.org/presentationml/2006/main">
   <p:cSld>
@@ -1814,7 +1991,7 @@
       </p:grpSpPr>
       <p:sp>
         <p:nvSpPr>
-          <p:cNvPr id="2" name="Slide Image Placeholder 1"/>
+          <p:cNvPr id="2" name="Segnaposto immagine diapositiva 1"/>
           <p:cNvSpPr>
             <a:spLocks noGrp="1" noRot="1" noChangeAspect="1"/>
           </p:cNvSpPr>
@@ -1826,7 +2003,7 @@
       </p:sp>
       <p:sp>
         <p:nvSpPr>
-          <p:cNvPr id="3" name="Notes Placeholder 2"/>
+          <p:cNvPr id="3" name="Segnaposto note 2"/>
           <p:cNvSpPr>
             <a:spLocks noGrp="1"/>
           </p:cNvSpPr>
@@ -1839,13 +2016,97 @@
           <a:bodyPr/>
           <a:lstStyle/>
           <a:p>
-            <a:endParaRPr lang="en-US" dirty="0"/>
-          </a:p>
-        </p:txBody>
-      </p:sp>
-      <p:sp>
-        <p:nvSpPr>
-          <p:cNvPr id="4" name="Slide Number Placeholder 3"/>
+            <a:endParaRPr lang="it-IT" dirty="0"/>
+          </a:p>
+        </p:txBody>
+      </p:sp>
+      <p:sp>
+        <p:nvSpPr>
+          <p:cNvPr id="4" name="Segnaposto numero diapositiva 3"/>
+          <p:cNvSpPr>
+            <a:spLocks noGrp="1"/>
+          </p:cNvSpPr>
+          <p:nvPr>
+            <p:ph type="sldNum" sz="quarter" idx="5"/>
+          </p:nvPr>
+        </p:nvSpPr>
+        <p:spPr/>
+        <p:txBody>
+          <a:bodyPr/>
+          <a:lstStyle/>
+          <a:p>
+            <a:fld id="{9437CFB8-1D29-8F41-8017-7BC346241577}" type="slidenum">
+              <a:rPr lang="it-IT" smtClean="0"/>
+              <a:t>8</a:t>
+            </a:fld>
+            <a:endParaRPr lang="it-IT" dirty="0"/>
+          </a:p>
+        </p:txBody>
+      </p:sp>
+    </p:spTree>
+    <p:extLst>
+      <p:ext uri="{BB962C8B-B14F-4D97-AF65-F5344CB8AC3E}">
+        <p14:creationId xmlns:p14="http://schemas.microsoft.com/office/powerpoint/2010/main" val="1507393241"/>
+      </p:ext>
+    </p:extLst>
+  </p:cSld>
+  <p:clrMapOvr>
+    <a:masterClrMapping/>
+  </p:clrMapOvr>
+</p:notes>
+</file>
+
+<file path=ppt/notesSlides/notesSlide9.xml><?xml version="1.0" encoding="utf-8"?>
+<p:notes xmlns:a="http://schemas.openxmlformats.org/drawingml/2006/main" xmlns:r="http://schemas.openxmlformats.org/officeDocument/2006/relationships" xmlns:p="http://schemas.openxmlformats.org/presentationml/2006/main">
+  <p:cSld>
+    <p:spTree>
+      <p:nvGrpSpPr>
+        <p:cNvPr id="1" name=""/>
+        <p:cNvGrpSpPr/>
+        <p:nvPr/>
+      </p:nvGrpSpPr>
+      <p:grpSpPr>
+        <a:xfrm>
+          <a:off x="0" y="0"/>
+          <a:ext cx="0" cy="0"/>
+          <a:chOff x="0" y="0"/>
+          <a:chExt cx="0" cy="0"/>
+        </a:xfrm>
+      </p:grpSpPr>
+      <p:sp>
+        <p:nvSpPr>
+          <p:cNvPr id="2" name="Segnaposto immagine diapositiva 1"/>
+          <p:cNvSpPr>
+            <a:spLocks noGrp="1" noRot="1" noChangeAspect="1"/>
+          </p:cNvSpPr>
+          <p:nvPr>
+            <p:ph type="sldImg"/>
+          </p:nvPr>
+        </p:nvSpPr>
+        <p:spPr/>
+      </p:sp>
+      <p:sp>
+        <p:nvSpPr>
+          <p:cNvPr id="3" name="Segnaposto note 2"/>
+          <p:cNvSpPr>
+            <a:spLocks noGrp="1"/>
+          </p:cNvSpPr>
+          <p:nvPr>
+            <p:ph type="body" idx="1"/>
+          </p:nvPr>
+        </p:nvSpPr>
+        <p:spPr/>
+        <p:txBody>
+          <a:bodyPr/>
+          <a:lstStyle/>
+          <a:p>
+            <a:endParaRPr lang="it-IT" dirty="0"/>
+          </a:p>
+        </p:txBody>
+      </p:sp>
+      <p:sp>
+        <p:nvSpPr>
+          <p:cNvPr id="4" name="Segnaposto numero diapositiva 3"/>
           <p:cNvSpPr>
             <a:spLocks noGrp="1"/>
           </p:cNvSpPr>
@@ -1869,7 +2130,7 @@
     </p:spTree>
     <p:extLst>
       <p:ext uri="{BB962C8B-B14F-4D97-AF65-F5344CB8AC3E}">
-        <p14:creationId xmlns:p14="http://schemas.microsoft.com/office/powerpoint/2010/main" val="2027603892"/>
+        <p14:creationId xmlns:p14="http://schemas.microsoft.com/office/powerpoint/2010/main" val="2801861323"/>
       </p:ext>
     </p:extLst>
   </p:cSld>
@@ -6243,6 +6504,816 @@
 </p:sld>
 </file>
 
+<file path=ppt/slides/slide10.xml><?xml version="1.0" encoding="utf-8"?>
+<p:sld xmlns:a="http://schemas.openxmlformats.org/drawingml/2006/main" xmlns:r="http://schemas.openxmlformats.org/officeDocument/2006/relationships" xmlns:p="http://schemas.openxmlformats.org/presentationml/2006/main">
+  <p:cSld>
+    <p:spTree>
+      <p:nvGrpSpPr>
+        <p:cNvPr id="1" name="Shape 708"/>
+        <p:cNvGrpSpPr/>
+        <p:nvPr/>
+      </p:nvGrpSpPr>
+      <p:grpSpPr>
+        <a:xfrm>
+          <a:off x="0" y="0"/>
+          <a:ext cx="0" cy="0"/>
+          <a:chOff x="0" y="0"/>
+          <a:chExt cx="0" cy="0"/>
+        </a:xfrm>
+      </p:grpSpPr>
+      <p:sp>
+        <p:nvSpPr>
+          <p:cNvPr id="710" name="Google Shape;710;p19"/>
+          <p:cNvSpPr txBox="1">
+            <a:spLocks noGrp="1"/>
+          </p:cNvSpPr>
+          <p:nvPr>
+            <p:ph type="sldNum" sz="quarter" idx="11"/>
+          </p:nvPr>
+        </p:nvSpPr>
+        <p:spPr/>
+        <p:txBody>
+          <a:bodyPr spcFirstLastPara="1" lIns="121900" tIns="60933" rIns="121900" bIns="60933" anchor="ctr" anchorCtr="0">
+            <a:normAutofit/>
+          </a:bodyPr>
+          <a:lstStyle/>
+          <a:p>
+            <a:pPr>
+              <a:lnSpc>
+                <a:spcPct val="90000"/>
+              </a:lnSpc>
+              <a:spcAft>
+                <a:spcPts val="600"/>
+              </a:spcAft>
+              <a:buClr>
+                <a:srgbClr val="000000"/>
+              </a:buClr>
+              <a:buSzPts val="1400"/>
+            </a:pPr>
+            <a:fld id="{00000000-1234-1234-1234-123412341234}" type="slidenum">
+              <a:rPr lang="en-US"/>
+              <a:pPr>
+                <a:lnSpc>
+                  <a:spcPct val="90000"/>
+                </a:lnSpc>
+                <a:spcAft>
+                  <a:spcPts val="600"/>
+                </a:spcAft>
+                <a:buClr>
+                  <a:srgbClr val="000000"/>
+                </a:buClr>
+                <a:buSzPts val="1400"/>
+              </a:pPr>
+              <a:t>10</a:t>
+            </a:fld>
+            <a:endParaRPr lang="en-US" dirty="0"/>
+          </a:p>
+        </p:txBody>
+      </p:sp>
+      <p:sp>
+        <p:nvSpPr>
+          <p:cNvPr id="709" name="Google Shape;709;p19"/>
+          <p:cNvSpPr txBox="1">
+            <a:spLocks noGrp="1"/>
+          </p:cNvSpPr>
+          <p:nvPr>
+            <p:ph type="title"/>
+          </p:nvPr>
+        </p:nvSpPr>
+        <p:spPr>
+          <a:xfrm>
+            <a:off x="2227522" y="1832769"/>
+            <a:ext cx="7736952" cy="1244600"/>
+          </a:xfrm>
+        </p:spPr>
+        <p:txBody>
+          <a:bodyPr spcFirstLastPara="1" lIns="121900" tIns="60933" rIns="121900" bIns="60933" anchor="ctr" anchorCtr="0">
+            <a:noAutofit/>
+          </a:bodyPr>
+          <a:lstStyle/>
+          <a:p>
+            <a:pPr algn="ctr"/>
+            <a:r>
+              <a:rPr lang="en-US" sz="4800" dirty="0"/>
+              <a:t>Exercise 5: Stream Regression</a:t>
+            </a:r>
+            <a:br>
+              <a:rPr lang="en-US" sz="4800" dirty="0"/>
+            </a:br>
+            <a:r>
+              <a:rPr lang="en-US" sz="4800" dirty="0"/>
+              <a:t>[optional]</a:t>
+            </a:r>
+            <a:endParaRPr lang="en-US" sz="4800" b="1" dirty="0"/>
+          </a:p>
+        </p:txBody>
+      </p:sp>
+      <p:pic>
+        <p:nvPicPr>
+          <p:cNvPr id="1026" name="Picture 2" descr="Project Jupyter - Wikipedia">
+            <a:extLst>
+              <a:ext uri="{FF2B5EF4-FFF2-40B4-BE49-F238E27FC236}">
+                <a16:creationId xmlns:a16="http://schemas.microsoft.com/office/drawing/2014/main" id="{988BA7D2-0F67-9695-41D7-8BFE8E20056D}"/>
+              </a:ext>
+            </a:extLst>
+          </p:cNvPr>
+          <p:cNvPicPr>
+            <a:picLocks noChangeArrowheads="1"/>
+          </p:cNvPicPr>
+          <p:nvPr/>
+        </p:nvPicPr>
+        <p:blipFill>
+          <a:blip r:embed="rId3">
+            <a:extLst>
+              <a:ext uri="{28A0092B-C50C-407E-A947-70E740481C1C}">
+                <a14:useLocalDpi xmlns:a14="http://schemas.microsoft.com/office/drawing/2010/main" val="0"/>
+              </a:ext>
+            </a:extLst>
+          </a:blip>
+          <a:srcRect/>
+          <a:stretch>
+            <a:fillRect/>
+          </a:stretch>
+        </p:blipFill>
+        <p:spPr bwMode="auto">
+          <a:xfrm>
+            <a:off x="4995068" y="3429000"/>
+            <a:ext cx="2201861" cy="2224087"/>
+          </a:xfrm>
+          <a:prstGeom prst="rect">
+            <a:avLst/>
+          </a:prstGeom>
+          <a:noFill/>
+          <a:extLst>
+            <a:ext uri="{909E8E84-426E-40DD-AFC4-6F175D3DCCD1}">
+              <a14:hiddenFill xmlns:a14="http://schemas.microsoft.com/office/drawing/2010/main">
+                <a:solidFill>
+                  <a:srgbClr val="FFFFFF"/>
+                </a:solidFill>
+              </a14:hiddenFill>
+            </a:ext>
+          </a:extLst>
+        </p:spPr>
+      </p:pic>
+      <p:sp>
+        <p:nvSpPr>
+          <p:cNvPr id="3" name="Footer Placeholder 1">
+            <a:extLst>
+              <a:ext uri="{FF2B5EF4-FFF2-40B4-BE49-F238E27FC236}">
+                <a16:creationId xmlns:a16="http://schemas.microsoft.com/office/drawing/2014/main" id="{3703E357-1383-EDCF-1F5E-20BA3044E18A}"/>
+              </a:ext>
+            </a:extLst>
+          </p:cNvPr>
+          <p:cNvSpPr>
+            <a:spLocks noGrp="1"/>
+          </p:cNvSpPr>
+          <p:nvPr>
+            <p:ph type="ftr" sz="quarter" idx="10"/>
+          </p:nvPr>
+        </p:nvSpPr>
+        <p:spPr>
+          <a:xfrm>
+            <a:off x="3270173" y="6356350"/>
+            <a:ext cx="5651653" cy="365125"/>
+          </a:xfrm>
+        </p:spPr>
+        <p:txBody>
+          <a:bodyPr/>
+          <a:lstStyle/>
+          <a:p>
+            <a:r>
+              <a:rPr lang="it-IT" dirty="0"/>
+              <a:t>Alessio Bernardo - alessio.bernardo@polimi.it</a:t>
+            </a:r>
+          </a:p>
+        </p:txBody>
+      </p:sp>
+    </p:spTree>
+    <p:extLst>
+      <p:ext uri="{BB962C8B-B14F-4D97-AF65-F5344CB8AC3E}">
+        <p14:creationId xmlns:p14="http://schemas.microsoft.com/office/powerpoint/2010/main" val="894322023"/>
+      </p:ext>
+    </p:extLst>
+  </p:cSld>
+  <p:clrMapOvr>
+    <a:masterClrMapping/>
+  </p:clrMapOvr>
+</p:sld>
+</file>
+
+<file path=ppt/slides/slide11.xml><?xml version="1.0" encoding="utf-8"?>
+<p:sld xmlns:a="http://schemas.openxmlformats.org/drawingml/2006/main" xmlns:r="http://schemas.openxmlformats.org/officeDocument/2006/relationships" xmlns:p="http://schemas.openxmlformats.org/presentationml/2006/main">
+  <p:cSld>
+    <p:spTree>
+      <p:nvGrpSpPr>
+        <p:cNvPr id="1" name=""/>
+        <p:cNvGrpSpPr/>
+        <p:nvPr/>
+      </p:nvGrpSpPr>
+      <p:grpSpPr>
+        <a:xfrm>
+          <a:off x="0" y="0"/>
+          <a:ext cx="0" cy="0"/>
+          <a:chOff x="0" y="0"/>
+          <a:chExt cx="0" cy="0"/>
+        </a:xfrm>
+      </p:grpSpPr>
+      <p:sp>
+        <p:nvSpPr>
+          <p:cNvPr id="3" name="Slide Number Placeholder 2">
+            <a:extLst>
+              <a:ext uri="{FF2B5EF4-FFF2-40B4-BE49-F238E27FC236}">
+                <a16:creationId xmlns:a16="http://schemas.microsoft.com/office/drawing/2014/main" id="{FCB8DC23-31C2-BA4E-7FC3-D8D0CD553113}"/>
+              </a:ext>
+            </a:extLst>
+          </p:cNvPr>
+          <p:cNvSpPr>
+            <a:spLocks noGrp="1"/>
+          </p:cNvSpPr>
+          <p:nvPr>
+            <p:ph type="sldNum" sz="quarter" idx="11"/>
+          </p:nvPr>
+        </p:nvSpPr>
+        <p:spPr/>
+        <p:txBody>
+          <a:bodyPr/>
+          <a:lstStyle/>
+          <a:p>
+            <a:fld id="{0365D038-E70F-B244-A1AE-4DC4A8F32122}" type="slidenum">
+              <a:rPr lang="it-IT" smtClean="0"/>
+              <a:t>11</a:t>
+            </a:fld>
+            <a:endParaRPr lang="it-IT" dirty="0"/>
+          </a:p>
+        </p:txBody>
+      </p:sp>
+      <p:sp>
+        <p:nvSpPr>
+          <p:cNvPr id="7" name="Title 6">
+            <a:extLst>
+              <a:ext uri="{FF2B5EF4-FFF2-40B4-BE49-F238E27FC236}">
+                <a16:creationId xmlns:a16="http://schemas.microsoft.com/office/drawing/2014/main" id="{2484BAED-368C-0176-7086-72C4D6BC88B2}"/>
+              </a:ext>
+            </a:extLst>
+          </p:cNvPr>
+          <p:cNvSpPr>
+            <a:spLocks noGrp="1"/>
+          </p:cNvSpPr>
+          <p:nvPr>
+            <p:ph type="title"/>
+          </p:nvPr>
+        </p:nvSpPr>
+        <p:spPr/>
+        <p:txBody>
+          <a:bodyPr/>
+          <a:lstStyle/>
+          <a:p>
+            <a:r>
+              <a:rPr lang="en-US" dirty="0"/>
+              <a:t>Credits</a:t>
+            </a:r>
+          </a:p>
+        </p:txBody>
+      </p:sp>
+      <p:sp>
+        <p:nvSpPr>
+          <p:cNvPr id="8" name="Content Placeholder 7">
+            <a:extLst>
+              <a:ext uri="{FF2B5EF4-FFF2-40B4-BE49-F238E27FC236}">
+                <a16:creationId xmlns:a16="http://schemas.microsoft.com/office/drawing/2014/main" id="{6AB52CA5-D1C9-009F-4A6B-6A1A292333F1}"/>
+              </a:ext>
+            </a:extLst>
+          </p:cNvPr>
+          <p:cNvSpPr>
+            <a:spLocks noGrp="1"/>
+          </p:cNvSpPr>
+          <p:nvPr>
+            <p:ph sz="half" idx="1"/>
+          </p:nvPr>
+        </p:nvSpPr>
+        <p:spPr/>
+        <p:txBody>
+          <a:bodyPr/>
+          <a:lstStyle/>
+          <a:p>
+            <a:pPr marL="298450" indent="-285750">
+              <a:lnSpc>
+                <a:spcPct val="100000"/>
+              </a:lnSpc>
+              <a:spcBef>
+                <a:spcPts val="1035"/>
+              </a:spcBef>
+              <a:buClr>
+                <a:srgbClr val="616161"/>
+              </a:buClr>
+              <a:buSzPct val="88888"/>
+              <a:buFont typeface="Arial"/>
+              <a:buChar char="•"/>
+              <a:tabLst>
+                <a:tab pos="297815" algn="l"/>
+                <a:tab pos="298450" algn="l"/>
+              </a:tabLst>
+            </a:pPr>
+            <a:r>
+              <a:rPr lang="it-IT" sz="2800" spc="-5" dirty="0">
+                <a:solidFill>
+                  <a:srgbClr val="202729"/>
+                </a:solidFill>
+                <a:latin typeface="Calibri"/>
+                <a:cs typeface="Calibri"/>
+              </a:rPr>
+              <a:t>Albert</a:t>
+            </a:r>
+            <a:r>
+              <a:rPr lang="it-IT" sz="2800" spc="5" dirty="0">
+                <a:solidFill>
+                  <a:srgbClr val="202729"/>
+                </a:solidFill>
+                <a:latin typeface="Calibri"/>
+                <a:cs typeface="Calibri"/>
+              </a:rPr>
+              <a:t> </a:t>
+            </a:r>
+            <a:r>
+              <a:rPr lang="it-IT" sz="2800" spc="-5" dirty="0">
+                <a:solidFill>
+                  <a:srgbClr val="202729"/>
+                </a:solidFill>
+                <a:latin typeface="Calibri"/>
+                <a:cs typeface="Calibri"/>
+              </a:rPr>
+              <a:t>Bifet</a:t>
+            </a:r>
+            <a:r>
+              <a:rPr lang="it-IT" sz="2800" spc="5" dirty="0">
+                <a:solidFill>
+                  <a:srgbClr val="202729"/>
+                </a:solidFill>
+                <a:latin typeface="Calibri"/>
+                <a:cs typeface="Calibri"/>
+              </a:rPr>
+              <a:t> </a:t>
+            </a:r>
+            <a:r>
+              <a:rPr lang="it-IT" sz="2800" spc="-5" dirty="0">
+                <a:solidFill>
+                  <a:srgbClr val="202729"/>
+                </a:solidFill>
+                <a:latin typeface="Calibri"/>
+                <a:cs typeface="Calibri"/>
+              </a:rPr>
+              <a:t>DATA</a:t>
+            </a:r>
+            <a:r>
+              <a:rPr lang="it-IT" sz="2800" spc="10" dirty="0">
+                <a:solidFill>
+                  <a:srgbClr val="202729"/>
+                </a:solidFill>
+                <a:latin typeface="Calibri"/>
+                <a:cs typeface="Calibri"/>
+              </a:rPr>
+              <a:t> </a:t>
+            </a:r>
+            <a:r>
+              <a:rPr lang="it-IT" sz="2800" spc="-5" dirty="0">
+                <a:solidFill>
+                  <a:srgbClr val="202729"/>
+                </a:solidFill>
+                <a:latin typeface="Calibri"/>
+                <a:cs typeface="Calibri"/>
+              </a:rPr>
+              <a:t>STREAM</a:t>
+            </a:r>
+            <a:r>
+              <a:rPr lang="it-IT" sz="2800" spc="5" dirty="0">
+                <a:solidFill>
+                  <a:srgbClr val="202729"/>
+                </a:solidFill>
+                <a:latin typeface="Calibri"/>
+                <a:cs typeface="Calibri"/>
+              </a:rPr>
+              <a:t> </a:t>
+            </a:r>
+            <a:r>
+              <a:rPr lang="it-IT" sz="2800" spc="-5" dirty="0">
+                <a:solidFill>
+                  <a:srgbClr val="202729"/>
+                </a:solidFill>
+                <a:latin typeface="Calibri"/>
+                <a:cs typeface="Calibri"/>
+              </a:rPr>
+              <a:t>MINING</a:t>
+            </a:r>
+            <a:r>
+              <a:rPr lang="it-IT" sz="2800" spc="10" dirty="0">
+                <a:solidFill>
+                  <a:srgbClr val="202729"/>
+                </a:solidFill>
+                <a:latin typeface="Calibri"/>
+                <a:cs typeface="Calibri"/>
+              </a:rPr>
+              <a:t> </a:t>
+            </a:r>
+            <a:r>
+              <a:rPr lang="it-IT" sz="2800" spc="-5" dirty="0">
+                <a:solidFill>
+                  <a:srgbClr val="202729"/>
+                </a:solidFill>
+                <a:latin typeface="Calibri"/>
+                <a:cs typeface="Calibri"/>
+              </a:rPr>
+              <a:t>2020-2021</a:t>
+            </a:r>
+            <a:r>
+              <a:rPr lang="it-IT" sz="2800" spc="15" dirty="0">
+                <a:solidFill>
+                  <a:srgbClr val="202729"/>
+                </a:solidFill>
+                <a:latin typeface="Calibri"/>
+                <a:cs typeface="Calibri"/>
+              </a:rPr>
+              <a:t> </a:t>
+            </a:r>
+            <a:r>
+              <a:rPr lang="it-IT" sz="2800" spc="-5" dirty="0" err="1">
+                <a:solidFill>
+                  <a:srgbClr val="202729"/>
+                </a:solidFill>
+                <a:latin typeface="Calibri"/>
+                <a:cs typeface="Calibri"/>
+              </a:rPr>
+              <a:t>course</a:t>
+            </a:r>
+            <a:r>
+              <a:rPr lang="it-IT" sz="2800" spc="10" dirty="0">
+                <a:solidFill>
+                  <a:srgbClr val="202729"/>
+                </a:solidFill>
+                <a:latin typeface="Calibri"/>
+                <a:cs typeface="Calibri"/>
+              </a:rPr>
+              <a:t> </a:t>
+            </a:r>
+            <a:r>
+              <a:rPr lang="it-IT" sz="2800" spc="-5" dirty="0" err="1">
+                <a:solidFill>
+                  <a:srgbClr val="202729"/>
+                </a:solidFill>
+                <a:latin typeface="Calibri"/>
+                <a:cs typeface="Calibri"/>
+              </a:rPr>
+              <a:t>at</a:t>
+            </a:r>
+            <a:r>
+              <a:rPr lang="it-IT" sz="2800" spc="5" dirty="0">
+                <a:solidFill>
+                  <a:srgbClr val="202729"/>
+                </a:solidFill>
+                <a:latin typeface="Calibri"/>
+                <a:cs typeface="Calibri"/>
+              </a:rPr>
+              <a:t> </a:t>
+            </a:r>
+            <a:r>
+              <a:rPr lang="it-IT" sz="2800" spc="-5" dirty="0">
+                <a:solidFill>
+                  <a:srgbClr val="202729"/>
+                </a:solidFill>
+                <a:latin typeface="Calibri"/>
+                <a:cs typeface="Calibri"/>
+              </a:rPr>
+              <a:t>Telecom</a:t>
+            </a:r>
+            <a:r>
+              <a:rPr lang="it-IT" sz="2800" spc="15" dirty="0">
+                <a:solidFill>
+                  <a:srgbClr val="202729"/>
+                </a:solidFill>
+                <a:latin typeface="Calibri"/>
+                <a:cs typeface="Calibri"/>
+              </a:rPr>
+              <a:t> </a:t>
+            </a:r>
+            <a:r>
+              <a:rPr lang="it-IT" sz="2800" spc="-5" dirty="0">
+                <a:solidFill>
+                  <a:srgbClr val="202729"/>
+                </a:solidFill>
+                <a:latin typeface="Calibri"/>
+                <a:cs typeface="Calibri"/>
+              </a:rPr>
+              <a:t>Paris</a:t>
+            </a:r>
+            <a:endParaRPr lang="it-IT" sz="2800" dirty="0">
+              <a:latin typeface="Calibri"/>
+              <a:cs typeface="Calibri"/>
+            </a:endParaRPr>
+          </a:p>
+          <a:p>
+            <a:pPr marL="298450" indent="-285750">
+              <a:lnSpc>
+                <a:spcPct val="100000"/>
+              </a:lnSpc>
+              <a:spcBef>
+                <a:spcPts val="935"/>
+              </a:spcBef>
+              <a:buClr>
+                <a:srgbClr val="616161"/>
+              </a:buClr>
+              <a:buSzPct val="88888"/>
+              <a:buFont typeface="Arial"/>
+              <a:buChar char="•"/>
+              <a:tabLst>
+                <a:tab pos="297815" algn="l"/>
+                <a:tab pos="298450" algn="l"/>
+              </a:tabLst>
+            </a:pPr>
+            <a:r>
+              <a:rPr lang="it-IT" sz="2800" spc="-5" dirty="0">
+                <a:solidFill>
+                  <a:srgbClr val="202729"/>
+                </a:solidFill>
+                <a:latin typeface="Calibri"/>
+                <a:cs typeface="Calibri"/>
+              </a:rPr>
+              <a:t>Alessio</a:t>
+            </a:r>
+            <a:r>
+              <a:rPr lang="it-IT" sz="2800" dirty="0">
+                <a:solidFill>
+                  <a:srgbClr val="202729"/>
+                </a:solidFill>
+                <a:latin typeface="Calibri"/>
+                <a:cs typeface="Calibri"/>
+              </a:rPr>
+              <a:t> </a:t>
+            </a:r>
+            <a:r>
+              <a:rPr lang="it-IT" sz="2800" spc="-5" dirty="0">
+                <a:solidFill>
+                  <a:srgbClr val="202729"/>
+                </a:solidFill>
+                <a:latin typeface="Calibri"/>
+                <a:cs typeface="Calibri"/>
+              </a:rPr>
+              <a:t>Bernardo</a:t>
+            </a:r>
+            <a:r>
+              <a:rPr lang="it-IT" sz="2800" spc="5" dirty="0">
+                <a:solidFill>
+                  <a:srgbClr val="202729"/>
+                </a:solidFill>
+                <a:latin typeface="Calibri"/>
+                <a:cs typeface="Calibri"/>
+              </a:rPr>
+              <a:t> </a:t>
+            </a:r>
+            <a:r>
+              <a:rPr lang="it-IT" sz="2800" dirty="0">
+                <a:solidFill>
+                  <a:srgbClr val="202729"/>
+                </a:solidFill>
+                <a:latin typeface="Calibri"/>
+                <a:cs typeface="Calibri"/>
+              </a:rPr>
+              <a:t>&amp; </a:t>
+            </a:r>
+            <a:r>
+              <a:rPr lang="it-IT" sz="2800" spc="-5" dirty="0">
+                <a:solidFill>
+                  <a:srgbClr val="202729"/>
+                </a:solidFill>
+                <a:latin typeface="Calibri"/>
+                <a:cs typeface="Calibri"/>
+              </a:rPr>
+              <a:t>Emanuele</a:t>
+            </a:r>
+            <a:r>
+              <a:rPr lang="it-IT" sz="2800" spc="5" dirty="0">
+                <a:solidFill>
+                  <a:srgbClr val="202729"/>
+                </a:solidFill>
+                <a:latin typeface="Calibri"/>
+                <a:cs typeface="Calibri"/>
+              </a:rPr>
+              <a:t> </a:t>
+            </a:r>
+            <a:r>
+              <a:rPr lang="it-IT" sz="2800" dirty="0">
+                <a:solidFill>
+                  <a:srgbClr val="202729"/>
+                </a:solidFill>
+                <a:latin typeface="Calibri"/>
+                <a:cs typeface="Calibri"/>
+              </a:rPr>
+              <a:t>Della</a:t>
+            </a:r>
+            <a:r>
+              <a:rPr lang="it-IT" sz="2800" spc="5" dirty="0">
+                <a:solidFill>
+                  <a:srgbClr val="202729"/>
+                </a:solidFill>
+                <a:latin typeface="Calibri"/>
+                <a:cs typeface="Calibri"/>
+              </a:rPr>
+              <a:t> </a:t>
+            </a:r>
+            <a:r>
+              <a:rPr lang="it-IT" sz="2800" spc="-5" dirty="0">
+                <a:solidFill>
+                  <a:srgbClr val="202729"/>
+                </a:solidFill>
+                <a:latin typeface="Calibri"/>
+                <a:cs typeface="Calibri"/>
+              </a:rPr>
+              <a:t>Valle</a:t>
+            </a:r>
+            <a:endParaRPr lang="it-IT" sz="2800" dirty="0">
+              <a:latin typeface="Calibri"/>
+              <a:cs typeface="Calibri"/>
+            </a:endParaRPr>
+          </a:p>
+        </p:txBody>
+      </p:sp>
+      <p:sp>
+        <p:nvSpPr>
+          <p:cNvPr id="4" name="Footer Placeholder 1">
+            <a:extLst>
+              <a:ext uri="{FF2B5EF4-FFF2-40B4-BE49-F238E27FC236}">
+                <a16:creationId xmlns:a16="http://schemas.microsoft.com/office/drawing/2014/main" id="{868BF7BE-3B5C-3573-79D9-90930998ADEF}"/>
+              </a:ext>
+            </a:extLst>
+          </p:cNvPr>
+          <p:cNvSpPr>
+            <a:spLocks noGrp="1"/>
+          </p:cNvSpPr>
+          <p:nvPr>
+            <p:ph type="ftr" sz="quarter" idx="10"/>
+          </p:nvPr>
+        </p:nvSpPr>
+        <p:spPr>
+          <a:xfrm>
+            <a:off x="3270173" y="6356350"/>
+            <a:ext cx="5651653" cy="365125"/>
+          </a:xfrm>
+        </p:spPr>
+        <p:txBody>
+          <a:bodyPr/>
+          <a:lstStyle/>
+          <a:p>
+            <a:r>
+              <a:rPr lang="it-IT" dirty="0"/>
+              <a:t>Alessio Bernardo - alessio.bernardo@polimi.it</a:t>
+            </a:r>
+          </a:p>
+        </p:txBody>
+      </p:sp>
+    </p:spTree>
+    <p:extLst>
+      <p:ext uri="{BB962C8B-B14F-4D97-AF65-F5344CB8AC3E}">
+        <p14:creationId xmlns:p14="http://schemas.microsoft.com/office/powerpoint/2010/main" val="392971268"/>
+      </p:ext>
+    </p:extLst>
+  </p:cSld>
+  <p:clrMapOvr>
+    <a:masterClrMapping/>
+  </p:clrMapOvr>
+</p:sld>
+</file>
+
+<file path=ppt/slides/slide12.xml><?xml version="1.0" encoding="utf-8"?>
+<p:sld xmlns:a="http://schemas.openxmlformats.org/drawingml/2006/main" xmlns:r="http://schemas.openxmlformats.org/officeDocument/2006/relationships" xmlns:p="http://schemas.openxmlformats.org/presentationml/2006/main">
+  <p:cSld>
+    <p:spTree>
+      <p:nvGrpSpPr>
+        <p:cNvPr id="1" name=""/>
+        <p:cNvGrpSpPr/>
+        <p:nvPr/>
+      </p:nvGrpSpPr>
+      <p:grpSpPr>
+        <a:xfrm>
+          <a:off x="0" y="0"/>
+          <a:ext cx="0" cy="0"/>
+          <a:chOff x="0" y="0"/>
+          <a:chExt cx="0" cy="0"/>
+        </a:xfrm>
+      </p:grpSpPr>
+      <p:sp>
+        <p:nvSpPr>
+          <p:cNvPr id="2" name="Title 1">
+            <a:extLst>
+              <a:ext uri="{FF2B5EF4-FFF2-40B4-BE49-F238E27FC236}">
+                <a16:creationId xmlns:a16="http://schemas.microsoft.com/office/drawing/2014/main" id="{733C4407-7C6D-344F-83C7-E8743D9BDEB4}"/>
+              </a:ext>
+            </a:extLst>
+          </p:cNvPr>
+          <p:cNvSpPr>
+            <a:spLocks noGrp="1"/>
+          </p:cNvSpPr>
+          <p:nvPr>
+            <p:ph type="ctrTitle"/>
+          </p:nvPr>
+        </p:nvSpPr>
+        <p:spPr>
+          <a:xfrm>
+            <a:off x="699407" y="1494433"/>
+            <a:ext cx="9797142" cy="1904999"/>
+          </a:xfrm>
+        </p:spPr>
+        <p:txBody>
+          <a:bodyPr/>
+          <a:lstStyle/>
+          <a:p>
+            <a:r>
+              <a:rPr lang="en-US" dirty="0"/>
+              <a:t>Streaming Machine Learning</a:t>
+            </a:r>
+            <a:br>
+              <a:rPr lang="en-US" dirty="0"/>
+            </a:br>
+            <a:r>
+              <a:rPr lang="en-US" sz="4400" dirty="0"/>
+              <a:t>Regression</a:t>
+            </a:r>
+            <a:br>
+              <a:rPr lang="en-US" dirty="0"/>
+            </a:br>
+            <a:br>
+              <a:rPr lang="en-US" dirty="0"/>
+            </a:br>
+            <a:endParaRPr lang="en-US" noProof="0" dirty="0"/>
+          </a:p>
+        </p:txBody>
+      </p:sp>
+      <p:sp>
+        <p:nvSpPr>
+          <p:cNvPr id="8" name="Subtitle 7">
+            <a:extLst>
+              <a:ext uri="{FF2B5EF4-FFF2-40B4-BE49-F238E27FC236}">
+                <a16:creationId xmlns:a16="http://schemas.microsoft.com/office/drawing/2014/main" id="{D4858F37-1763-AD46-910A-3C7ECD45A186}"/>
+              </a:ext>
+            </a:extLst>
+          </p:cNvPr>
+          <p:cNvSpPr>
+            <a:spLocks noGrp="1"/>
+          </p:cNvSpPr>
+          <p:nvPr>
+            <p:ph type="subTitle" idx="1"/>
+          </p:nvPr>
+        </p:nvSpPr>
+        <p:spPr>
+          <a:xfrm>
+            <a:off x="699407" y="4411067"/>
+            <a:ext cx="9797142" cy="1904999"/>
+          </a:xfrm>
+        </p:spPr>
+        <p:txBody>
+          <a:bodyPr>
+            <a:normAutofit/>
+          </a:bodyPr>
+          <a:lstStyle/>
+          <a:p>
+            <a:pPr lvl="0"/>
+            <a:r>
+              <a:rPr lang="en-GB" sz="3500" dirty="0">
+                <a:solidFill>
+                  <a:schemeClr val="bg1">
+                    <a:lumMod val="50000"/>
+                  </a:schemeClr>
+                </a:solidFill>
+              </a:rPr>
+              <a:t>Alessio Bernardo</a:t>
+            </a:r>
+          </a:p>
+          <a:p>
+            <a:pPr lvl="0"/>
+            <a:r>
+              <a:rPr lang="en-GB" sz="2000" dirty="0"/>
+              <a:t>Post-doc @ Politecnico di Milano</a:t>
+            </a:r>
+          </a:p>
+          <a:p>
+            <a:pPr lvl="0"/>
+            <a:r>
+              <a:rPr lang="en-GB" sz="2000" dirty="0"/>
+              <a:t>CTO &amp; Co-founder @ Motus ml</a:t>
+            </a:r>
+          </a:p>
+        </p:txBody>
+      </p:sp>
+    </p:spTree>
+    <p:extLst>
+      <p:ext uri="{BB962C8B-B14F-4D97-AF65-F5344CB8AC3E}">
+        <p14:creationId xmlns:p14="http://schemas.microsoft.com/office/powerpoint/2010/main" val="2751362382"/>
+      </p:ext>
+    </p:extLst>
+  </p:cSld>
+  <p:clrMapOvr>
+    <a:masterClrMapping/>
+  </p:clrMapOvr>
+</p:sld>
+</file>
+
 <file path=ppt/slides/slide2.xml><?xml version="1.0" encoding="utf-8"?>
 <p:sld xmlns:a="http://schemas.openxmlformats.org/drawingml/2006/main" xmlns:r="http://schemas.openxmlformats.org/officeDocument/2006/relationships" xmlns:p="http://schemas.openxmlformats.org/presentationml/2006/main">
   <p:cSld>
@@ -6551,8 +7622,8 @@
         </p:nvSpPr>
         <p:spPr>
           <a:xfrm>
-            <a:off x="950555" y="1699840"/>
-            <a:ext cx="10403244" cy="751488"/>
+            <a:off x="950555" y="1525441"/>
+            <a:ext cx="10403244" cy="1120820"/>
           </a:xfrm>
           <a:prstGeom prst="rect">
             <a:avLst/>
@@ -6611,13 +7682,25 @@
               <a:rPr lang="en-GB" sz="2400" b="1" spc="-5" dirty="0">
                 <a:cs typeface="Calibri"/>
               </a:rPr>
-              <a:t>median</a:t>
+              <a:t>median </a:t>
             </a:r>
             <a:r>
               <a:rPr lang="en-GB" sz="2400" spc="-5" dirty="0">
                 <a:cs typeface="Calibri"/>
               </a:rPr>
-              <a:t> to aggregate results e compute the predicted target feature</a:t>
+              <a:t>or a </a:t>
+            </a:r>
+            <a:r>
+              <a:rPr lang="en-GB" sz="2400" b="1" spc="-5" dirty="0">
+                <a:cs typeface="Calibri"/>
+              </a:rPr>
+              <a:t>regression model </a:t>
+            </a:r>
+            <a:r>
+              <a:rPr lang="en-GB" sz="2400" spc="-5" dirty="0">
+                <a:cs typeface="Calibri"/>
+              </a:rPr>
+              <a:t>built over the points saved into leaves to aggregate results e compute the predicted target feature</a:t>
             </a:r>
           </a:p>
         </p:txBody>
@@ -6636,7 +7719,7 @@
         </p:nvGrpSpPr>
         <p:grpSpPr>
           <a:xfrm>
-            <a:off x="1218210" y="3219088"/>
+            <a:off x="1497748" y="3437277"/>
             <a:ext cx="3498114" cy="3101635"/>
             <a:chOff x="1181267" y="2529877"/>
             <a:chExt cx="3498114" cy="3101635"/>
@@ -7239,8 +8322,8 @@
             </a:p>
           </p:txBody>
         </p:sp>
-        <mc:AlternateContent xmlns:mc="http://schemas.openxmlformats.org/markup-compatibility/2006">
-          <mc:Choice xmlns:p14="http://schemas.microsoft.com/office/powerpoint/2010/main" Requires="p14">
+        <mc:AlternateContent xmlns:mc="http://schemas.openxmlformats.org/markup-compatibility/2006" xmlns:p14="http://schemas.microsoft.com/office/powerpoint/2010/main">
+          <mc:Choice Requires="p14">
             <p:contentPart p14:bwMode="auto" r:id="rId16">
               <p14:nvContentPartPr>
                 <p14:cNvPr id="32" name="Ink 33">
@@ -7259,7 +8342,7 @@
               </p14:xfrm>
             </p:contentPart>
           </mc:Choice>
-          <mc:Fallback>
+          <mc:Fallback xmlns="">
             <p:pic>
               <p:nvPicPr>
                 <p:cNvPr id="32" name="Ink 33">
@@ -7290,8 +8373,8 @@
             </p:pic>
           </mc:Fallback>
         </mc:AlternateContent>
-        <mc:AlternateContent xmlns:mc="http://schemas.openxmlformats.org/markup-compatibility/2006">
-          <mc:Choice xmlns:p14="http://schemas.microsoft.com/office/powerpoint/2010/main" Requires="p14">
+        <mc:AlternateContent xmlns:mc="http://schemas.openxmlformats.org/markup-compatibility/2006" xmlns:p14="http://schemas.microsoft.com/office/powerpoint/2010/main">
+          <mc:Choice Requires="p14">
             <p:contentPart p14:bwMode="auto" r:id="rId18">
               <p14:nvContentPartPr>
                 <p14:cNvPr id="25" name="Ink 42">
@@ -7310,7 +8393,7 @@
               </p14:xfrm>
             </p:contentPart>
           </mc:Choice>
-          <mc:Fallback>
+          <mc:Fallback xmlns="">
             <p:pic>
               <p:nvPicPr>
                 <p:cNvPr id="25" name="Ink 42">
@@ -7341,8 +8424,8 @@
             </p:pic>
           </mc:Fallback>
         </mc:AlternateContent>
-        <mc:AlternateContent xmlns:mc="http://schemas.openxmlformats.org/markup-compatibility/2006">
-          <mc:Choice xmlns:p14="http://schemas.microsoft.com/office/powerpoint/2010/main" Requires="p14">
+        <mc:AlternateContent xmlns:mc="http://schemas.openxmlformats.org/markup-compatibility/2006" xmlns:p14="http://schemas.microsoft.com/office/powerpoint/2010/main">
+          <mc:Choice Requires="p14">
             <p:contentPart p14:bwMode="auto" r:id="rId20">
               <p14:nvContentPartPr>
                 <p14:cNvPr id="26" name="Ink 45">
@@ -7361,7 +8444,7 @@
               </p14:xfrm>
             </p:contentPart>
           </mc:Choice>
-          <mc:Fallback>
+          <mc:Fallback xmlns="">
             <p:pic>
               <p:nvPicPr>
                 <p:cNvPr id="26" name="Ink 45">
@@ -7515,8 +8598,8 @@
             </mc:Fallback>
           </mc:AlternateContent>
         </p:grpSp>
-        <mc:AlternateContent xmlns:mc="http://schemas.openxmlformats.org/markup-compatibility/2006">
-          <mc:Choice xmlns:p14="http://schemas.microsoft.com/office/powerpoint/2010/main" Requires="p14">
+        <mc:AlternateContent xmlns:mc="http://schemas.openxmlformats.org/markup-compatibility/2006" xmlns:p14="http://schemas.microsoft.com/office/powerpoint/2010/main">
+          <mc:Choice Requires="p14">
             <p:contentPart p14:bwMode="auto" r:id="rId28">
               <p14:nvContentPartPr>
                 <p14:cNvPr id="29" name="Ink 53">
@@ -7535,7 +8618,7 @@
               </p14:xfrm>
             </p:contentPart>
           </mc:Choice>
-          <mc:Fallback>
+          <mc:Fallback xmlns="">
             <p:pic>
               <p:nvPicPr>
                 <p:cNvPr id="29" name="Ink 53">
@@ -7581,10 +8664,10 @@
         </p:nvGrpSpPr>
         <p:grpSpPr>
           <a:xfrm>
-            <a:off x="6971466" y="3219088"/>
-            <a:ext cx="3498114" cy="3101635"/>
-            <a:chOff x="1181267" y="2529877"/>
-            <a:chExt cx="3498114" cy="3101635"/>
+            <a:off x="7142120" y="3437277"/>
+            <a:ext cx="3885477" cy="3101635"/>
+            <a:chOff x="1072383" y="2529877"/>
+            <a:chExt cx="3885477" cy="3101635"/>
           </a:xfrm>
         </p:grpSpPr>
         <p:sp>
@@ -8126,8 +9209,8 @@
           </p:nvSpPr>
           <p:spPr>
             <a:xfrm>
-              <a:off x="1274140" y="4550562"/>
-              <a:ext cx="3375806" cy="426141"/>
+              <a:off x="1072383" y="4550562"/>
+              <a:ext cx="3885477" cy="426141"/>
             </a:xfrm>
             <a:prstGeom prst="rect">
               <a:avLst/>
@@ -8142,7 +9225,7 @@
               <a:pPr algn="ctr"/>
               <a:r>
                 <a:rPr lang="en-US" sz="2000" b="1" dirty="0"/>
-                <a:t>Mean, Weighted mean, Median</a:t>
+                <a:t>Mean, Median, Regression Model</a:t>
               </a:r>
               <a:endParaRPr lang="en-US" sz="2000" b="1" baseline="-25000" dirty="0"/>
             </a:p>
@@ -8184,8 +9267,8 @@
             </a:p>
           </p:txBody>
         </p:sp>
-        <mc:AlternateContent xmlns:mc="http://schemas.openxmlformats.org/markup-compatibility/2006">
-          <mc:Choice xmlns:p14="http://schemas.microsoft.com/office/powerpoint/2010/main" Requires="p14">
+        <mc:AlternateContent xmlns:mc="http://schemas.openxmlformats.org/markup-compatibility/2006" xmlns:p14="http://schemas.microsoft.com/office/powerpoint/2010/main">
+          <mc:Choice Requires="p14">
             <p:contentPart p14:bwMode="auto" r:id="rId36">
               <p14:nvContentPartPr>
                 <p14:cNvPr id="51" name="Ink 33">
@@ -8204,7 +9287,7 @@
               </p14:xfrm>
             </p:contentPart>
           </mc:Choice>
-          <mc:Fallback>
+          <mc:Fallback xmlns="">
             <p:pic>
               <p:nvPicPr>
                 <p:cNvPr id="51" name="Ink 33">
@@ -8235,8 +9318,8 @@
             </p:pic>
           </mc:Fallback>
         </mc:AlternateContent>
-        <mc:AlternateContent xmlns:mc="http://schemas.openxmlformats.org/markup-compatibility/2006">
-          <mc:Choice xmlns:p14="http://schemas.microsoft.com/office/powerpoint/2010/main" Requires="p14">
+        <mc:AlternateContent xmlns:mc="http://schemas.openxmlformats.org/markup-compatibility/2006" xmlns:p14="http://schemas.microsoft.com/office/powerpoint/2010/main">
+          <mc:Choice Requires="p14">
             <p:contentPart p14:bwMode="auto" r:id="rId37">
               <p14:nvContentPartPr>
                 <p14:cNvPr id="52" name="Ink 42">
@@ -8255,7 +9338,7 @@
               </p14:xfrm>
             </p:contentPart>
           </mc:Choice>
-          <mc:Fallback>
+          <mc:Fallback xmlns="">
             <p:pic>
               <p:nvPicPr>
                 <p:cNvPr id="52" name="Ink 42">
@@ -8286,8 +9369,8 @@
             </p:pic>
           </mc:Fallback>
         </mc:AlternateContent>
-        <mc:AlternateContent xmlns:mc="http://schemas.openxmlformats.org/markup-compatibility/2006">
-          <mc:Choice xmlns:p14="http://schemas.microsoft.com/office/powerpoint/2010/main" Requires="p14">
+        <mc:AlternateContent xmlns:mc="http://schemas.openxmlformats.org/markup-compatibility/2006" xmlns:p14="http://schemas.microsoft.com/office/powerpoint/2010/main">
+          <mc:Choice Requires="p14">
             <p:contentPart p14:bwMode="auto" r:id="rId38">
               <p14:nvContentPartPr>
                 <p14:cNvPr id="53" name="Ink 45">
@@ -8306,7 +9389,7 @@
               </p14:xfrm>
             </p:contentPart>
           </mc:Choice>
-          <mc:Fallback>
+          <mc:Fallback xmlns="">
             <p:pic>
               <p:nvPicPr>
                 <p:cNvPr id="53" name="Ink 45">
@@ -8460,8 +9543,8 @@
             </mc:Fallback>
           </mc:AlternateContent>
         </p:grpSp>
-        <mc:AlternateContent xmlns:mc="http://schemas.openxmlformats.org/markup-compatibility/2006">
-          <mc:Choice xmlns:p14="http://schemas.microsoft.com/office/powerpoint/2010/main" Requires="p14">
+        <mc:AlternateContent xmlns:mc="http://schemas.openxmlformats.org/markup-compatibility/2006" xmlns:p14="http://schemas.microsoft.com/office/powerpoint/2010/main">
+          <mc:Choice Requires="p14">
             <p:contentPart p14:bwMode="auto" r:id="rId41">
               <p14:nvContentPartPr>
                 <p14:cNvPr id="55" name="Ink 53">
@@ -8480,7 +9563,7 @@
               </p14:xfrm>
             </p:contentPart>
           </mc:Choice>
-          <mc:Fallback>
+          <mc:Fallback xmlns="">
             <p:pic>
               <p:nvPicPr>
                 <p:cNvPr id="55" name="Ink 53">
@@ -8526,7 +9609,7 @@
         </p:nvSpPr>
         <p:spPr>
           <a:xfrm>
-            <a:off x="1965689" y="2525259"/>
+            <a:off x="2245227" y="2743448"/>
             <a:ext cx="2003157" cy="443711"/>
           </a:xfrm>
           <a:prstGeom prst="rect">
@@ -8578,7 +9661,7 @@
         </p:nvSpPr>
         <p:spPr>
           <a:xfrm>
-            <a:off x="7945255" y="2525259"/>
+            <a:off x="8224793" y="2743448"/>
             <a:ext cx="1720133" cy="443711"/>
           </a:xfrm>
           <a:prstGeom prst="rect">
@@ -9851,7 +10934,7 @@
         </p:nvSpPr>
         <p:spPr>
           <a:xfrm>
-            <a:off x="838200" y="1455496"/>
+            <a:off x="838200" y="1690688"/>
             <a:ext cx="10403244" cy="4139595"/>
           </a:xfrm>
           <a:prstGeom prst="rect">
@@ -9880,8 +10963,48 @@
               </a:tabLst>
             </a:pPr>
             <a:r>
-              <a:rPr lang="en-GB" sz="2400" dirty="0"/>
-              <a:t>The antecedent of a rule is a set of literals (conditions based on the attribute values) </a:t>
+              <a:rPr lang="en-GB" sz="2200" dirty="0"/>
+              <a:t>The </a:t>
+            </a:r>
+            <a:r>
+              <a:rPr lang="en-GB" sz="2200" b="1" dirty="0"/>
+              <a:t>antecedent</a:t>
+            </a:r>
+            <a:r>
+              <a:rPr lang="en-GB" sz="2200" dirty="0"/>
+              <a:t> of a rule is a </a:t>
+            </a:r>
+            <a:r>
+              <a:rPr lang="en-GB" sz="2200" b="1" dirty="0"/>
+              <a:t>set of literals </a:t>
+            </a:r>
+            <a:r>
+              <a:rPr lang="en-GB" sz="2200" dirty="0"/>
+              <a:t>(</a:t>
+            </a:r>
+            <a:r>
+              <a:rPr lang="en-GB" sz="2200" b="1" dirty="0"/>
+              <a:t>conditions</a:t>
+            </a:r>
+            <a:r>
+              <a:rPr lang="en-GB" sz="2200" dirty="0"/>
+              <a:t> based on </a:t>
+            </a:r>
+            <a:r>
+              <a:rPr lang="en-GB" sz="2200" b="1" dirty="0"/>
+              <a:t>multiple</a:t>
+            </a:r>
+            <a:r>
+              <a:rPr lang="en-GB" sz="2200" dirty="0"/>
+              <a:t> </a:t>
+            </a:r>
+            <a:r>
+              <a:rPr lang="en-GB" sz="2200" b="1" dirty="0"/>
+              <a:t>attribute</a:t>
+            </a:r>
+            <a:r>
+              <a:rPr lang="en-GB" sz="2200" dirty="0"/>
+              <a:t> values) </a:t>
             </a:r>
           </a:p>
           <a:p>
@@ -9901,8 +11024,48 @@
               </a:tabLst>
             </a:pPr>
             <a:r>
-              <a:rPr lang="en-GB" sz="2400" dirty="0"/>
-              <a:t>The consequent of a rule is a function that minimizes the mean square error of the target attribute computed from the set of samples covered by rule</a:t>
+              <a:rPr lang="en-GB" sz="2200" dirty="0"/>
+              <a:t>The </a:t>
+            </a:r>
+            <a:r>
+              <a:rPr lang="en-GB" sz="2200" b="1" dirty="0"/>
+              <a:t>consequent</a:t>
+            </a:r>
+            <a:r>
+              <a:rPr lang="en-GB" sz="2200" dirty="0"/>
+              <a:t> of a rule is a function that </a:t>
+            </a:r>
+            <a:r>
+              <a:rPr lang="en-GB" sz="2200" b="1" dirty="0"/>
+              <a:t>minimizes</a:t>
+            </a:r>
+            <a:r>
+              <a:rPr lang="en-GB" sz="2200" dirty="0"/>
+              <a:t> the </a:t>
+            </a:r>
+            <a:r>
+              <a:rPr lang="en-GB" sz="2200" b="1" dirty="0"/>
+              <a:t>mean square error </a:t>
+            </a:r>
+            <a:r>
+              <a:rPr lang="en-GB" sz="2200" dirty="0"/>
+              <a:t>of the </a:t>
+            </a:r>
+            <a:r>
+              <a:rPr lang="en-GB" sz="2200" b="1" dirty="0"/>
+              <a:t>target</a:t>
+            </a:r>
+            <a:r>
+              <a:rPr lang="en-GB" sz="2200" dirty="0"/>
+              <a:t> </a:t>
+            </a:r>
+            <a:r>
+              <a:rPr lang="en-GB" sz="2200" b="1" dirty="0"/>
+              <a:t>attribute</a:t>
+            </a:r>
+            <a:r>
+              <a:rPr lang="en-GB" sz="2200" dirty="0"/>
+              <a:t> computed from the set of samples covered by rule</a:t>
             </a:r>
           </a:p>
           <a:p>
@@ -9919,8 +11082,40 @@
               </a:tabLst>
             </a:pPr>
             <a:r>
-              <a:rPr lang="en-GB" sz="2400" dirty="0"/>
-              <a:t>Each rule uses a Page-Hinkley test to detect changes and react to changes by pruning the rule set</a:t>
+              <a:rPr lang="en-GB" sz="2200" dirty="0"/>
+              <a:t>Each </a:t>
+            </a:r>
+            <a:r>
+              <a:rPr lang="en-GB" sz="2200" b="1" dirty="0"/>
+              <a:t>rule</a:t>
+            </a:r>
+            <a:r>
+              <a:rPr lang="en-GB" sz="2200" dirty="0"/>
+              <a:t> uses a </a:t>
+            </a:r>
+            <a:r>
+              <a:rPr lang="en-GB" sz="2200" b="1" dirty="0"/>
+              <a:t>Page-Hinkley</a:t>
+            </a:r>
+            <a:r>
+              <a:rPr lang="en-GB" sz="2200" dirty="0"/>
+              <a:t> test to </a:t>
+            </a:r>
+            <a:r>
+              <a:rPr lang="en-GB" sz="2200" b="1" dirty="0"/>
+              <a:t>detect</a:t>
+            </a:r>
+            <a:r>
+              <a:rPr lang="en-GB" sz="2200" dirty="0"/>
+              <a:t> </a:t>
+            </a:r>
+            <a:r>
+              <a:rPr lang="en-GB" sz="2200" b="1" dirty="0"/>
+              <a:t>changes</a:t>
+            </a:r>
+            <a:r>
+              <a:rPr lang="en-GB" sz="2200" dirty="0"/>
+              <a:t> and react to changes by pruning the rule set</a:t>
             </a:r>
           </a:p>
           <a:p>
@@ -9937,8 +11132,24 @@
               </a:tabLst>
             </a:pPr>
             <a:r>
-              <a:rPr lang="en-GB" sz="2400" dirty="0"/>
-              <a:t>Each rule is also equipped with outliers' detection mechanisms to avoid model adaption using anomalous examples</a:t>
+              <a:rPr lang="en-GB" sz="2200" dirty="0"/>
+              <a:t>Each </a:t>
+            </a:r>
+            <a:r>
+              <a:rPr lang="en-GB" sz="2200" b="1" dirty="0"/>
+              <a:t>rule</a:t>
+            </a:r>
+            <a:r>
+              <a:rPr lang="en-GB" sz="2200" dirty="0"/>
+              <a:t> is also equipped with </a:t>
+            </a:r>
+            <a:r>
+              <a:rPr lang="en-GB" sz="2200" b="1" dirty="0"/>
+              <a:t>outliers' detection mechanisms</a:t>
+            </a:r>
+            <a:r>
+              <a:rPr lang="en-GB" sz="2200" dirty="0"/>
+              <a:t> to avoid model adaption using anomalous examples</a:t>
             </a:r>
           </a:p>
           <a:p>
@@ -9955,14 +11166,37 @@
               </a:tabLst>
             </a:pPr>
             <a:r>
-              <a:rPr lang="en-GB" sz="2400" dirty="0"/>
-              <a:t>Multiple rules form a set of rules, similarly to a tree. Hoeffding Bound is used </a:t>
-            </a:r>
-            <a:r>
-              <a:rPr lang="en-GB" sz="2400"/>
-              <a:t>to grow the set</a:t>
-            </a:r>
-            <a:endParaRPr lang="en-GB" sz="2400" dirty="0"/>
+              <a:rPr lang="en-GB" sz="2200" b="1" dirty="0"/>
+              <a:t>Multiple</a:t>
+            </a:r>
+            <a:r>
+              <a:rPr lang="en-GB" sz="2200" dirty="0"/>
+              <a:t> </a:t>
+            </a:r>
+            <a:r>
+              <a:rPr lang="en-GB" sz="2200" b="1" dirty="0"/>
+              <a:t>rules</a:t>
+            </a:r>
+            <a:r>
+              <a:rPr lang="en-GB" sz="2200" dirty="0"/>
+              <a:t> form a </a:t>
+            </a:r>
+            <a:r>
+              <a:rPr lang="en-GB" sz="2200" b="1" dirty="0"/>
+              <a:t>set</a:t>
+            </a:r>
+            <a:r>
+              <a:rPr lang="en-GB" sz="2200" dirty="0"/>
+              <a:t> of rules, similarly to a tree. </a:t>
+            </a:r>
+            <a:r>
+              <a:rPr lang="en-GB" sz="2200" b="1" dirty="0"/>
+              <a:t>Hoeffding Bound</a:t>
+            </a:r>
+            <a:r>
+              <a:rPr lang="en-GB" sz="2200" dirty="0"/>
+              <a:t> is used to grow the set</a:t>
+            </a:r>
           </a:p>
           <a:p>
             <a:pPr marL="298450" indent="-285750">
@@ -9977,12 +11211,57 @@
                 <a:tab pos="355600" algn="l"/>
               </a:tabLst>
             </a:pPr>
-            <a:endParaRPr lang="en-GB" sz="2400" b="1" spc="-5" dirty="0">
-              <a:solidFill>
-                <a:srgbClr val="C00000"/>
-              </a:solidFill>
-              <a:cs typeface="Calibri"/>
-            </a:endParaRPr>
+            <a:r>
+              <a:rPr lang="en-GB" sz="2200" dirty="0"/>
+              <a:t>The </a:t>
+            </a:r>
+            <a:r>
+              <a:rPr lang="en-GB" sz="2200" b="1" dirty="0"/>
+              <a:t>prediction</a:t>
+            </a:r>
+            <a:r>
+              <a:rPr lang="en-GB" sz="2200" dirty="0"/>
+              <a:t> </a:t>
+            </a:r>
+            <a:r>
+              <a:rPr lang="en-GB" sz="2200" b="1" dirty="0"/>
+              <a:t>strategy</a:t>
+            </a:r>
+            <a:r>
+              <a:rPr lang="en-GB" sz="2200" dirty="0"/>
+              <a:t> used by decision rules can be the </a:t>
+            </a:r>
+            <a:r>
+              <a:rPr lang="en-GB" sz="2200" b="1" dirty="0"/>
+              <a:t>mean</a:t>
+            </a:r>
+            <a:r>
+              <a:rPr lang="en-GB" sz="2200" dirty="0"/>
+              <a:t>, a </a:t>
+            </a:r>
+            <a:r>
+              <a:rPr lang="en-GB" sz="2200" b="1" dirty="0"/>
+              <a:t>regression</a:t>
+            </a:r>
+            <a:r>
+              <a:rPr lang="en-GB" sz="2200" dirty="0"/>
+              <a:t> model, or </a:t>
+            </a:r>
+            <a:r>
+              <a:rPr lang="en-GB" sz="2200" b="1" dirty="0"/>
+              <a:t>adaptive</a:t>
+            </a:r>
+            <a:r>
+              <a:rPr lang="en-GB" sz="2200" dirty="0"/>
+              <a:t>, i.e., </a:t>
+            </a:r>
+            <a:r>
+              <a:rPr lang="en-GB" sz="2200" spc="-5" dirty="0">
+                <a:cs typeface="Calibri"/>
+              </a:rPr>
+              <a:t>chooses between ‘Mean’ and ‘Regression model’ dynamically</a:t>
+            </a:r>
+            <a:endParaRPr lang="en-GB" sz="2200" dirty="0"/>
           </a:p>
         </p:txBody>
       </p:sp>
@@ -10075,7 +11354,7 @@
           <a:p>
             <a:r>
               <a:rPr lang="en-US" dirty="0"/>
-              <a:t>ARF Regressor</a:t>
+              <a:t>HT Regressor</a:t>
             </a:r>
           </a:p>
         </p:txBody>
@@ -10111,110 +11390,6 @@
       </p:sp>
       <p:sp>
         <p:nvSpPr>
-          <p:cNvPr id="20" name="object 18">
-            <a:extLst>
-              <a:ext uri="{FF2B5EF4-FFF2-40B4-BE49-F238E27FC236}">
-                <a16:creationId xmlns:a16="http://schemas.microsoft.com/office/drawing/2014/main" id="{3D51F4A2-E485-7F59-7A1A-642571700484}"/>
-              </a:ext>
-            </a:extLst>
-          </p:cNvPr>
-          <p:cNvSpPr txBox="1"/>
-          <p:nvPr/>
-        </p:nvSpPr>
-        <p:spPr>
-          <a:xfrm>
-            <a:off x="2891999" y="6054191"/>
-            <a:ext cx="6408000" cy="228268"/>
-          </a:xfrm>
-          <a:prstGeom prst="rect">
-            <a:avLst/>
-          </a:prstGeom>
-          <a:ln>
-            <a:solidFill>
-              <a:schemeClr val="tx1"/>
-            </a:solidFill>
-          </a:ln>
-        </p:spPr>
-        <p:txBody>
-          <a:bodyPr vert="horz" wrap="square" lIns="0" tIns="12700" rIns="0" bIns="0" rtlCol="0">
-            <a:spAutoFit/>
-          </a:bodyPr>
-          <a:lstStyle/>
-          <a:p>
-            <a:pPr marL="12700">
-              <a:lnSpc>
-                <a:spcPct val="100000"/>
-              </a:lnSpc>
-              <a:spcBef>
-                <a:spcPts val="100"/>
-              </a:spcBef>
-            </a:pPr>
-            <a:r>
-              <a:rPr lang="it-IT" sz="1400" spc="-5" dirty="0">
-                <a:solidFill>
-                  <a:srgbClr val="202729"/>
-                </a:solidFill>
-                <a:latin typeface="Calibri"/>
-                <a:cs typeface="Calibri"/>
-              </a:rPr>
-              <a:t>Gomes, H. M., et al. </a:t>
-            </a:r>
-            <a:r>
-              <a:rPr lang="it-IT" sz="1400" b="1" dirty="0" err="1"/>
-              <a:t>Adaptive</a:t>
-            </a:r>
-            <a:r>
-              <a:rPr lang="it-IT" sz="1400" b="1" dirty="0"/>
-              <a:t> random </a:t>
-            </a:r>
-            <a:r>
-              <a:rPr lang="it-IT" sz="1400" b="1" dirty="0" err="1"/>
-              <a:t>forests</a:t>
-            </a:r>
-            <a:r>
-              <a:rPr lang="it-IT" sz="1400" b="1" dirty="0"/>
-              <a:t> for data stream </a:t>
-            </a:r>
-            <a:r>
-              <a:rPr lang="it-IT" sz="1400" b="1" dirty="0" err="1"/>
-              <a:t>regression</a:t>
-            </a:r>
-            <a:r>
-              <a:rPr lang="it-IT" sz="1400" spc="-5" dirty="0">
-                <a:solidFill>
-                  <a:srgbClr val="202729"/>
-                </a:solidFill>
-                <a:latin typeface="Calibri"/>
-                <a:cs typeface="Calibri"/>
-              </a:rPr>
-              <a:t>. </a:t>
-            </a:r>
-            <a:r>
-              <a:rPr lang="it-IT" sz="1400" dirty="0"/>
-              <a:t>ESANN</a:t>
-            </a:r>
-            <a:r>
-              <a:rPr lang="it-IT" sz="1400" b="0" dirty="0">
-                <a:solidFill>
-                  <a:srgbClr val="222222"/>
-                </a:solidFill>
-                <a:effectLst/>
-                <a:latin typeface="Arial" panose="020B0604020202020204" pitchFamily="34" charset="0"/>
-              </a:rPr>
-              <a:t>, 2018</a:t>
-            </a:r>
-            <a:endParaRPr lang="it-IT" sz="1400" spc="-5" dirty="0">
-              <a:solidFill>
-                <a:srgbClr val="202729"/>
-              </a:solidFill>
-              <a:latin typeface="Calibri"/>
-              <a:cs typeface="Calibri"/>
-            </a:endParaRPr>
-          </a:p>
-        </p:txBody>
-      </p:sp>
-      <p:sp>
-        <p:nvSpPr>
           <p:cNvPr id="5" name="Footer Placeholder 1">
             <a:extLst>
               <a:ext uri="{FF2B5EF4-FFF2-40B4-BE49-F238E27FC236}">
@@ -10297,7 +11472,7 @@
         <p:spPr>
           <a:xfrm>
             <a:off x="950555" y="1690688"/>
-            <a:ext cx="10403244" cy="2877711"/>
+            <a:ext cx="10403244" cy="3290644"/>
           </a:xfrm>
           <a:prstGeom prst="rect">
             <a:avLst/>
@@ -10325,13 +11500,53 @@
               <a:rPr lang="en-GB" sz="2600" b="1" spc="-5" dirty="0">
                 <a:cs typeface="Calibri"/>
               </a:rPr>
-              <a:t>Base Learners</a:t>
+              <a:t>Learner</a:t>
             </a:r>
             <a:r>
               <a:rPr lang="en-GB" sz="2600" spc="-5" dirty="0">
                 <a:cs typeface="Calibri"/>
               </a:rPr>
-              <a:t>: Hoeffding Tree Regressors</a:t>
+              <a:t>: </a:t>
+            </a:r>
+          </a:p>
+          <a:p>
+            <a:pPr marL="927100" lvl="1" indent="-457200">
+              <a:spcBef>
+                <a:spcPts val="100"/>
+              </a:spcBef>
+              <a:buSzPct val="75000"/>
+              <a:buFont typeface="Wingdings" pitchFamily="2" charset="2"/>
+              <a:buChar char="Ø"/>
+              <a:tabLst>
+                <a:tab pos="354965" algn="l"/>
+                <a:tab pos="355600" algn="l"/>
+              </a:tabLst>
+            </a:pPr>
+            <a:r>
+              <a:rPr lang="en-GB" sz="2600" spc="-5" dirty="0">
+                <a:cs typeface="Calibri"/>
+              </a:rPr>
+              <a:t>Incremental decision tree </a:t>
+            </a:r>
+          </a:p>
+          <a:p>
+            <a:pPr marL="927100" lvl="1" indent="-457200">
+              <a:spcBef>
+                <a:spcPts val="100"/>
+              </a:spcBef>
+              <a:buSzPct val="75000"/>
+              <a:buFont typeface="Wingdings" pitchFamily="2" charset="2"/>
+              <a:buChar char="Ø"/>
+              <a:tabLst>
+                <a:tab pos="354965" algn="l"/>
+                <a:tab pos="355600" algn="l"/>
+              </a:tabLst>
+            </a:pPr>
+            <a:r>
+              <a:rPr lang="en-GB" sz="2600" spc="-5" dirty="0">
+                <a:cs typeface="Calibri"/>
+              </a:rPr>
+              <a:t>Hoeffding bound to split over nodes </a:t>
             </a:r>
           </a:p>
           <a:p>
@@ -10351,33 +11566,7 @@
               <a:rPr lang="en-GB" sz="2600" b="1" spc="-5" dirty="0">
                 <a:cs typeface="Calibri"/>
               </a:rPr>
-              <a:t>Diversity</a:t>
-            </a:r>
-            <a:r>
-              <a:rPr lang="en-GB" sz="2600" spc="-5" dirty="0">
-                <a:cs typeface="Calibri"/>
-              </a:rPr>
-              <a:t>: Leveraging Bagging + Local Random Subspaces</a:t>
-            </a:r>
-          </a:p>
-          <a:p>
-            <a:pPr marL="469900" indent="-457200">
-              <a:spcBef>
-                <a:spcPts val="100"/>
-              </a:spcBef>
-              <a:buSzPct val="75000"/>
-              <a:buFont typeface="Arial" panose="020B0604020202020204" pitchFamily="34" charset="0"/>
-              <a:buChar char="•"/>
-              <a:tabLst>
-                <a:tab pos="354965" algn="l"/>
-                <a:tab pos="355600" algn="l"/>
-              </a:tabLst>
-            </a:pPr>
-            <a:r>
-              <a:rPr lang="en-GB" sz="2600" b="1" spc="-5" dirty="0">
-                <a:cs typeface="Calibri"/>
-              </a:rPr>
-              <a:t>Combination</a:t>
+              <a:t>Voting</a:t>
             </a:r>
             <a:r>
               <a:rPr lang="en-GB" sz="2600" spc="-5" dirty="0">
@@ -10403,7 +11592,7 @@
               <a:rPr lang="en-GB" sz="2600" spc="-5" dirty="0">
                 <a:cs typeface="Calibri"/>
               </a:rPr>
-              <a:t>Flat architecture</a:t>
+              <a:t>Mean</a:t>
             </a:r>
           </a:p>
           <a:p>
@@ -10423,33 +11612,124 @@
               <a:rPr lang="en-GB" sz="2600" spc="-5" dirty="0">
                 <a:cs typeface="Calibri"/>
               </a:rPr>
-              <a:t>Weighted mean or median as voting strategy</a:t>
-            </a:r>
-          </a:p>
-          <a:p>
-            <a:pPr marL="469900" indent="-457200">
+              <a:t>Regression model</a:t>
+            </a:r>
+          </a:p>
+          <a:p>
+            <a:pPr marL="927100" lvl="1" indent="-457200">
               <a:spcBef>
                 <a:spcPts val="100"/>
               </a:spcBef>
               <a:buSzPct val="75000"/>
-              <a:buFont typeface="Arial" panose="020B0604020202020204" pitchFamily="34" charset="0"/>
-              <a:buChar char="•"/>
+              <a:buFont typeface="Wingdings" pitchFamily="2" charset="2"/>
+              <a:buChar char="Ø"/>
               <a:tabLst>
                 <a:tab pos="354965" algn="l"/>
                 <a:tab pos="355600" algn="l"/>
               </a:tabLst>
             </a:pPr>
             <a:r>
-              <a:rPr lang="en-GB" sz="2600" b="1" spc="-5" dirty="0">
-                <a:cs typeface="Calibri"/>
-              </a:rPr>
-              <a:t>Adaptation</a:t>
-            </a:r>
-            <a:r>
               <a:rPr lang="en-GB" sz="2600" spc="-5" dirty="0">
                 <a:cs typeface="Calibri"/>
               </a:rPr>
-              <a:t>: Adaptive window + warning period (train background learners)</a:t>
+              <a:t>Adaptive, i.e., chooses between ‘Mean’ and ‘Regression model’ dynamically</a:t>
+            </a:r>
+          </a:p>
+        </p:txBody>
+      </p:sp>
+      <p:sp>
+        <p:nvSpPr>
+          <p:cNvPr id="2" name="object 18">
+            <a:extLst>
+              <a:ext uri="{FF2B5EF4-FFF2-40B4-BE49-F238E27FC236}">
+                <a16:creationId xmlns:a16="http://schemas.microsoft.com/office/drawing/2014/main" id="{319195A8-D991-738A-137C-CAAB7A0BAC4E}"/>
+              </a:ext>
+            </a:extLst>
+          </p:cNvPr>
+          <p:cNvSpPr txBox="1"/>
+          <p:nvPr/>
+        </p:nvSpPr>
+        <p:spPr>
+          <a:xfrm>
+            <a:off x="3383813" y="6054191"/>
+            <a:ext cx="5424371" cy="228268"/>
+          </a:xfrm>
+          <a:prstGeom prst="rect">
+            <a:avLst/>
+          </a:prstGeom>
+          <a:ln>
+            <a:solidFill>
+              <a:schemeClr val="tx1"/>
+            </a:solidFill>
+          </a:ln>
+        </p:spPr>
+        <p:txBody>
+          <a:bodyPr vert="horz" wrap="square" lIns="0" tIns="12700" rIns="0" bIns="0" rtlCol="0">
+            <a:spAutoFit/>
+          </a:bodyPr>
+          <a:lstStyle/>
+          <a:p>
+            <a:pPr marL="12700">
+              <a:lnSpc>
+                <a:spcPct val="100000"/>
+              </a:lnSpc>
+              <a:spcBef>
+                <a:spcPts val="100"/>
+              </a:spcBef>
+            </a:pPr>
+            <a:r>
+              <a:rPr lang="en-GB" sz="1400" spc="-5" dirty="0">
+                <a:solidFill>
+                  <a:srgbClr val="202729"/>
+                </a:solidFill>
+                <a:cs typeface="Calibri"/>
+              </a:rPr>
+              <a:t>Pedro </a:t>
+            </a:r>
+            <a:r>
+              <a:rPr lang="en-GB" sz="1400" spc="-5" dirty="0" err="1">
+                <a:solidFill>
+                  <a:srgbClr val="202729"/>
+                </a:solidFill>
+                <a:cs typeface="Calibri"/>
+              </a:rPr>
+              <a:t>Domingos</a:t>
+            </a:r>
+            <a:r>
+              <a:rPr lang="en-GB" sz="1400" spc="-5" dirty="0">
+                <a:solidFill>
+                  <a:srgbClr val="202729"/>
+                </a:solidFill>
+                <a:cs typeface="Calibri"/>
+              </a:rPr>
+              <a:t> and Geoff </a:t>
+            </a:r>
+            <a:r>
+              <a:rPr lang="en-GB" sz="1400" spc="-5" dirty="0" err="1">
+                <a:solidFill>
+                  <a:srgbClr val="202729"/>
+                </a:solidFill>
+                <a:cs typeface="Calibri"/>
+              </a:rPr>
+              <a:t>Hulten</a:t>
+            </a:r>
+            <a:r>
+              <a:rPr lang="en-GB" sz="1400" b="1" spc="-5" dirty="0">
+                <a:solidFill>
+                  <a:srgbClr val="202729"/>
+                </a:solidFill>
+                <a:cs typeface="Calibri"/>
+              </a:rPr>
+              <a:t>. Mining high-speed data streams. </a:t>
+            </a:r>
+            <a:r>
+              <a:rPr lang="en-GB" sz="1400" spc="-5" dirty="0">
+                <a:solidFill>
+                  <a:srgbClr val="202729"/>
+                </a:solidFill>
+                <a:cs typeface="Calibri"/>
+              </a:rPr>
+              <a:t>2000</a:t>
             </a:r>
           </a:p>
         </p:txBody>
@@ -10457,7 +11737,7 @@
     </p:spTree>
     <p:extLst>
       <p:ext uri="{BB962C8B-B14F-4D97-AF65-F5344CB8AC3E}">
-        <p14:creationId xmlns:p14="http://schemas.microsoft.com/office/powerpoint/2010/main" val="2104042083"/>
+        <p14:creationId xmlns:p14="http://schemas.microsoft.com/office/powerpoint/2010/main" val="2934243346"/>
       </p:ext>
     </p:extLst>
   </p:cSld>
@@ -10472,7 +11752,7 @@
   <p:cSld>
     <p:spTree>
       <p:nvGrpSpPr>
-        <p:cNvPr id="1" name="Shape 708"/>
+        <p:cNvPr id="1" name=""/>
         <p:cNvGrpSpPr/>
         <p:nvPr/>
       </p:nvGrpSpPr>
@@ -10486,8 +11766,42 @@
       </p:grpSpPr>
       <p:sp>
         <p:nvSpPr>
-          <p:cNvPr id="710" name="Google Shape;710;p19"/>
-          <p:cNvSpPr txBox="1">
+          <p:cNvPr id="4" name="Title 3">
+            <a:extLst>
+              <a:ext uri="{FF2B5EF4-FFF2-40B4-BE49-F238E27FC236}">
+                <a16:creationId xmlns:a16="http://schemas.microsoft.com/office/drawing/2014/main" id="{63E607AF-4C45-EF70-7885-3B2A3ACD65BD}"/>
+              </a:ext>
+            </a:extLst>
+          </p:cNvPr>
+          <p:cNvSpPr>
+            <a:spLocks noGrp="1"/>
+          </p:cNvSpPr>
+          <p:nvPr>
+            <p:ph type="title"/>
+          </p:nvPr>
+        </p:nvSpPr>
+        <p:spPr/>
+        <p:txBody>
+          <a:bodyPr/>
+          <a:lstStyle/>
+          <a:p>
+            <a:r>
+              <a:rPr lang="en-US" dirty="0"/>
+              <a:t>HAT Regressor</a:t>
+            </a:r>
+          </a:p>
+        </p:txBody>
+      </p:sp>
+      <p:sp>
+        <p:nvSpPr>
+          <p:cNvPr id="3" name="Slide Number Placeholder 2">
+            <a:extLst>
+              <a:ext uri="{FF2B5EF4-FFF2-40B4-BE49-F238E27FC236}">
+                <a16:creationId xmlns:a16="http://schemas.microsoft.com/office/drawing/2014/main" id="{2A591F49-3458-7E90-1995-2728306046D3}"/>
+              </a:ext>
+            </a:extLst>
+          </p:cNvPr>
+          <p:cNvSpPr>
             <a:spLocks noGrp="1"/>
           </p:cNvSpPr>
           <p:nvPr>
@@ -10496,134 +11810,23 @@
         </p:nvSpPr>
         <p:spPr/>
         <p:txBody>
-          <a:bodyPr spcFirstLastPara="1" lIns="121900" tIns="60933" rIns="121900" bIns="60933" anchor="ctr" anchorCtr="0">
-            <a:normAutofit/>
-          </a:bodyPr>
+          <a:bodyPr/>
           <a:lstStyle/>
           <a:p>
-            <a:pPr>
-              <a:lnSpc>
-                <a:spcPct val="90000"/>
-              </a:lnSpc>
-              <a:spcAft>
-                <a:spcPts val="600"/>
-              </a:spcAft>
-              <a:buClr>
-                <a:srgbClr val="000000"/>
-              </a:buClr>
-              <a:buSzPts val="1400"/>
-            </a:pPr>
-            <a:fld id="{00000000-1234-1234-1234-123412341234}" type="slidenum">
-              <a:rPr lang="en-US"/>
-              <a:pPr>
-                <a:lnSpc>
-                  <a:spcPct val="90000"/>
-                </a:lnSpc>
-                <a:spcAft>
-                  <a:spcPts val="600"/>
-                </a:spcAft>
-                <a:buClr>
-                  <a:srgbClr val="000000"/>
-                </a:buClr>
-                <a:buSzPts val="1400"/>
-              </a:pPr>
+            <a:fld id="{0365D038-E70F-B244-A1AE-4DC4A8F32122}" type="slidenum">
+              <a:rPr lang="it-IT" smtClean="0"/>
               <a:t>7</a:t>
             </a:fld>
-            <a:endParaRPr lang="en-US" dirty="0"/>
-          </a:p>
-        </p:txBody>
-      </p:sp>
-      <p:sp>
-        <p:nvSpPr>
-          <p:cNvPr id="709" name="Google Shape;709;p19"/>
-          <p:cNvSpPr txBox="1">
-            <a:spLocks noGrp="1"/>
-          </p:cNvSpPr>
-          <p:nvPr>
-            <p:ph type="title"/>
-          </p:nvPr>
-        </p:nvSpPr>
-        <p:spPr>
-          <a:xfrm>
-            <a:off x="2227522" y="1832769"/>
-            <a:ext cx="7736952" cy="1244600"/>
-          </a:xfrm>
-        </p:spPr>
-        <p:txBody>
-          <a:bodyPr spcFirstLastPara="1" lIns="121900" tIns="60933" rIns="121900" bIns="60933" anchor="ctr" anchorCtr="0">
-            <a:noAutofit/>
-          </a:bodyPr>
-          <a:lstStyle/>
-          <a:p>
-            <a:pPr algn="ctr"/>
-            <a:r>
-              <a:rPr lang="en-US" sz="4800" dirty="0"/>
-              <a:t>Exercise 5: Stream Regression</a:t>
-            </a:r>
-            <a:br>
-              <a:rPr lang="en-US" sz="4800" dirty="0"/>
-            </a:br>
-            <a:r>
-              <a:rPr lang="en-US" sz="4800" dirty="0"/>
-              <a:t>[optional]</a:t>
-            </a:r>
-            <a:endParaRPr lang="en-US" sz="4800" b="1" dirty="0"/>
-          </a:p>
-        </p:txBody>
-      </p:sp>
-      <p:pic>
-        <p:nvPicPr>
-          <p:cNvPr id="1026" name="Picture 2" descr="Project Jupyter - Wikipedia">
+            <a:endParaRPr lang="it-IT" dirty="0"/>
+          </a:p>
+        </p:txBody>
+      </p:sp>
+      <p:sp>
+        <p:nvSpPr>
+          <p:cNvPr id="5" name="Footer Placeholder 1">
             <a:extLst>
               <a:ext uri="{FF2B5EF4-FFF2-40B4-BE49-F238E27FC236}">
-                <a16:creationId xmlns:a16="http://schemas.microsoft.com/office/drawing/2014/main" id="{988BA7D2-0F67-9695-41D7-8BFE8E20056D}"/>
-              </a:ext>
-            </a:extLst>
-          </p:cNvPr>
-          <p:cNvPicPr>
-            <a:picLocks noChangeArrowheads="1"/>
-          </p:cNvPicPr>
-          <p:nvPr/>
-        </p:nvPicPr>
-        <p:blipFill>
-          <a:blip r:embed="rId3">
-            <a:extLst>
-              <a:ext uri="{28A0092B-C50C-407E-A947-70E740481C1C}">
-                <a14:useLocalDpi xmlns:a14="http://schemas.microsoft.com/office/drawing/2010/main" val="0"/>
-              </a:ext>
-            </a:extLst>
-          </a:blip>
-          <a:srcRect/>
-          <a:stretch>
-            <a:fillRect/>
-          </a:stretch>
-        </p:blipFill>
-        <p:spPr bwMode="auto">
-          <a:xfrm>
-            <a:off x="4995068" y="3429000"/>
-            <a:ext cx="2201861" cy="2224087"/>
-          </a:xfrm>
-          <a:prstGeom prst="rect">
-            <a:avLst/>
-          </a:prstGeom>
-          <a:noFill/>
-          <a:extLst>
-            <a:ext uri="{909E8E84-426E-40DD-AFC4-6F175D3DCCD1}">
-              <a14:hiddenFill xmlns:a14="http://schemas.microsoft.com/office/drawing/2010/main">
-                <a:solidFill>
-                  <a:srgbClr val="FFFFFF"/>
-                </a:solidFill>
-              </a14:hiddenFill>
-            </a:ext>
-          </a:extLst>
-        </p:spPr>
-      </p:pic>
-      <p:sp>
-        <p:nvSpPr>
-          <p:cNvPr id="3" name="Footer Placeholder 1">
-            <a:extLst>
-              <a:ext uri="{FF2B5EF4-FFF2-40B4-BE49-F238E27FC236}">
-                <a16:creationId xmlns:a16="http://schemas.microsoft.com/office/drawing/2014/main" id="{3703E357-1383-EDCF-1F5E-20BA3044E18A}"/>
+                <a16:creationId xmlns:a16="http://schemas.microsoft.com/office/drawing/2014/main" id="{77907C65-A885-1D9E-9D5C-D8112CF0F4E6}"/>
               </a:ext>
             </a:extLst>
           </p:cNvPr>
@@ -10651,10 +11854,340 @@
           </a:p>
         </p:txBody>
       </p:sp>
+      <p:sp>
+        <p:nvSpPr>
+          <p:cNvPr id="11" name="CasellaDiTesto 10">
+            <a:extLst>
+              <a:ext uri="{FF2B5EF4-FFF2-40B4-BE49-F238E27FC236}">
+                <a16:creationId xmlns:a16="http://schemas.microsoft.com/office/drawing/2014/main" id="{43128874-C0DE-4AD5-1A65-69387D434197}"/>
+              </a:ext>
+            </a:extLst>
+          </p:cNvPr>
+          <p:cNvSpPr txBox="1"/>
+          <p:nvPr/>
+        </p:nvSpPr>
+        <p:spPr>
+          <a:xfrm>
+            <a:off x="4267200" y="5150069"/>
+            <a:ext cx="0" cy="0"/>
+          </a:xfrm>
+          <a:prstGeom prst="rect">
+            <a:avLst/>
+          </a:prstGeom>
+        </p:spPr>
+        <p:txBody>
+          <a:bodyPr vert="horz" wrap="none" lIns="91440" tIns="45720" rIns="91440" bIns="45720" rtlCol="0">
+            <a:normAutofit fontScale="25000" lnSpcReduction="20000"/>
+          </a:bodyPr>
+          <a:lstStyle/>
+          <a:p>
+            <a:pPr algn="l"/>
+            <a:endParaRPr lang="it-IT" sz="4000" b="0" dirty="0">
+              <a:solidFill>
+                <a:schemeClr val="bg1"/>
+              </a:solidFill>
+            </a:endParaRPr>
+          </a:p>
+        </p:txBody>
+      </p:sp>
+      <p:sp>
+        <p:nvSpPr>
+          <p:cNvPr id="7" name="object 3">
+            <a:extLst>
+              <a:ext uri="{FF2B5EF4-FFF2-40B4-BE49-F238E27FC236}">
+                <a16:creationId xmlns:a16="http://schemas.microsoft.com/office/drawing/2014/main" id="{F3140F72-1333-E0B6-E815-A6679BC79079}"/>
+              </a:ext>
+            </a:extLst>
+          </p:cNvPr>
+          <p:cNvSpPr txBox="1"/>
+          <p:nvPr/>
+        </p:nvSpPr>
+        <p:spPr>
+          <a:xfrm>
+            <a:off x="950555" y="1690688"/>
+            <a:ext cx="10403244" cy="4103688"/>
+          </a:xfrm>
+          <a:prstGeom prst="rect">
+            <a:avLst/>
+          </a:prstGeom>
+        </p:spPr>
+        <p:txBody>
+          <a:bodyPr vert="horz" wrap="square" lIns="0" tIns="12700" rIns="0" bIns="0" rtlCol="0">
+            <a:spAutoFit/>
+          </a:bodyPr>
+          <a:lstStyle/>
+          <a:p>
+            <a:pPr marL="469900" indent="-457200">
+              <a:spcBef>
+                <a:spcPts val="100"/>
+              </a:spcBef>
+              <a:buSzPct val="75000"/>
+              <a:buFont typeface="Arial" panose="020B0604020202020204" pitchFamily="34" charset="0"/>
+              <a:buChar char="•"/>
+              <a:tabLst>
+                <a:tab pos="354965" algn="l"/>
+                <a:tab pos="355600" algn="l"/>
+              </a:tabLst>
+            </a:pPr>
+            <a:r>
+              <a:rPr lang="en-GB" sz="2600" b="1" spc="-5" dirty="0">
+                <a:cs typeface="Calibri"/>
+              </a:rPr>
+              <a:t>Learner</a:t>
+            </a:r>
+            <a:r>
+              <a:rPr lang="en-GB" sz="2600" spc="-5" dirty="0">
+                <a:cs typeface="Calibri"/>
+              </a:rPr>
+              <a:t>: </a:t>
+            </a:r>
+          </a:p>
+          <a:p>
+            <a:pPr marL="927100" lvl="1" indent="-457200">
+              <a:spcBef>
+                <a:spcPts val="100"/>
+              </a:spcBef>
+              <a:buSzPct val="75000"/>
+              <a:buFont typeface="Wingdings" pitchFamily="2" charset="2"/>
+              <a:buChar char="Ø"/>
+              <a:tabLst>
+                <a:tab pos="354965" algn="l"/>
+                <a:tab pos="355600" algn="l"/>
+              </a:tabLst>
+            </a:pPr>
+            <a:r>
+              <a:rPr lang="en-GB" sz="2600" spc="-5" dirty="0">
+                <a:cs typeface="Calibri"/>
+              </a:rPr>
+              <a:t>Incremental decision tree </a:t>
+            </a:r>
+          </a:p>
+          <a:p>
+            <a:pPr marL="927100" lvl="1" indent="-457200">
+              <a:spcBef>
+                <a:spcPts val="100"/>
+              </a:spcBef>
+              <a:buSzPct val="75000"/>
+              <a:buFont typeface="Wingdings" pitchFamily="2" charset="2"/>
+              <a:buChar char="Ø"/>
+              <a:tabLst>
+                <a:tab pos="354965" algn="l"/>
+                <a:tab pos="355600" algn="l"/>
+              </a:tabLst>
+            </a:pPr>
+            <a:r>
+              <a:rPr lang="en-GB" sz="2600" spc="-5" dirty="0">
+                <a:cs typeface="Calibri"/>
+              </a:rPr>
+              <a:t>Hoeffding bound to split over nodes </a:t>
+            </a:r>
+          </a:p>
+          <a:p>
+            <a:pPr marL="469900" indent="-457200">
+              <a:spcBef>
+                <a:spcPts val="100"/>
+              </a:spcBef>
+              <a:buSzPct val="75000"/>
+              <a:buFont typeface="Arial" panose="020B0604020202020204" pitchFamily="34" charset="0"/>
+              <a:buChar char="•"/>
+              <a:tabLst>
+                <a:tab pos="354965" algn="l"/>
+                <a:tab pos="355600" algn="l"/>
+              </a:tabLst>
+            </a:pPr>
+            <a:r>
+              <a:rPr lang="en-GB" sz="2600" b="1" spc="-5" dirty="0">
+                <a:cs typeface="Calibri"/>
+              </a:rPr>
+              <a:t>Voting</a:t>
+            </a:r>
+            <a:r>
+              <a:rPr lang="en-GB" sz="2600" spc="-5" dirty="0">
+                <a:cs typeface="Calibri"/>
+              </a:rPr>
+              <a:t>:</a:t>
+            </a:r>
+          </a:p>
+          <a:p>
+            <a:pPr marL="927100" lvl="1" indent="-457200">
+              <a:spcBef>
+                <a:spcPts val="100"/>
+              </a:spcBef>
+              <a:buSzPct val="75000"/>
+              <a:buFont typeface="Wingdings" pitchFamily="2" charset="2"/>
+              <a:buChar char="Ø"/>
+              <a:tabLst>
+                <a:tab pos="354965" algn="l"/>
+                <a:tab pos="355600" algn="l"/>
+              </a:tabLst>
+            </a:pPr>
+            <a:r>
+              <a:rPr lang="en-GB" sz="2600" spc="-5" dirty="0">
+                <a:cs typeface="Calibri"/>
+              </a:rPr>
+              <a:t>Mean</a:t>
+            </a:r>
+          </a:p>
+          <a:p>
+            <a:pPr marL="927100" lvl="1" indent="-457200">
+              <a:spcBef>
+                <a:spcPts val="100"/>
+              </a:spcBef>
+              <a:buSzPct val="75000"/>
+              <a:buFont typeface="Wingdings" pitchFamily="2" charset="2"/>
+              <a:buChar char="Ø"/>
+              <a:tabLst>
+                <a:tab pos="354965" algn="l"/>
+                <a:tab pos="355600" algn="l"/>
+              </a:tabLst>
+            </a:pPr>
+            <a:r>
+              <a:rPr lang="en-GB" sz="2600" spc="-5" dirty="0">
+                <a:cs typeface="Calibri"/>
+              </a:rPr>
+              <a:t>Regression model</a:t>
+            </a:r>
+          </a:p>
+          <a:p>
+            <a:pPr marL="927100" lvl="1" indent="-457200">
+              <a:spcBef>
+                <a:spcPts val="100"/>
+              </a:spcBef>
+              <a:buSzPct val="75000"/>
+              <a:buFont typeface="Wingdings" pitchFamily="2" charset="2"/>
+              <a:buChar char="Ø"/>
+              <a:tabLst>
+                <a:tab pos="354965" algn="l"/>
+                <a:tab pos="355600" algn="l"/>
+              </a:tabLst>
+            </a:pPr>
+            <a:r>
+              <a:rPr lang="en-GB" sz="2600" spc="-5" dirty="0">
+                <a:cs typeface="Calibri"/>
+              </a:rPr>
+              <a:t>Adaptive, i.e., chooses between ‘Mean’ and ‘Regression model’ dynamically</a:t>
+            </a:r>
+          </a:p>
+          <a:p>
+            <a:pPr marL="469900" indent="-457200">
+              <a:spcBef>
+                <a:spcPts val="100"/>
+              </a:spcBef>
+              <a:buSzPct val="75000"/>
+              <a:buFont typeface="Arial" panose="020B0604020202020204" pitchFamily="34" charset="0"/>
+              <a:buChar char="•"/>
+              <a:tabLst>
+                <a:tab pos="354965" algn="l"/>
+                <a:tab pos="355600" algn="l"/>
+              </a:tabLst>
+            </a:pPr>
+            <a:r>
+              <a:rPr lang="en-GB" sz="2600" b="1" spc="-5" dirty="0">
+                <a:cs typeface="Calibri"/>
+              </a:rPr>
+              <a:t>Adaptation</a:t>
+            </a:r>
+            <a:r>
+              <a:rPr lang="en-GB" sz="2600" spc="-5" dirty="0">
+                <a:cs typeface="Calibri"/>
+              </a:rPr>
+              <a:t>: Adaptive window + warning period (train background learners)</a:t>
+            </a:r>
+          </a:p>
+        </p:txBody>
+      </p:sp>
+      <p:sp>
+        <p:nvSpPr>
+          <p:cNvPr id="2" name="object 18">
+            <a:extLst>
+              <a:ext uri="{FF2B5EF4-FFF2-40B4-BE49-F238E27FC236}">
+                <a16:creationId xmlns:a16="http://schemas.microsoft.com/office/drawing/2014/main" id="{0C4B63D1-B4C3-869C-64EF-3A8E0776C206}"/>
+              </a:ext>
+            </a:extLst>
+          </p:cNvPr>
+          <p:cNvSpPr txBox="1"/>
+          <p:nvPr/>
+        </p:nvSpPr>
+        <p:spPr>
+          <a:xfrm>
+            <a:off x="2108750" y="6054191"/>
+            <a:ext cx="6840000" cy="230400"/>
+          </a:xfrm>
+          <a:prstGeom prst="rect">
+            <a:avLst/>
+          </a:prstGeom>
+          <a:ln>
+            <a:solidFill>
+              <a:schemeClr val="tx1"/>
+            </a:solidFill>
+          </a:ln>
+        </p:spPr>
+        <p:txBody>
+          <a:bodyPr vert="horz" wrap="square" lIns="0" tIns="12700" rIns="0" bIns="0" rtlCol="0">
+            <a:spAutoFit/>
+          </a:bodyPr>
+          <a:lstStyle/>
+          <a:p>
+            <a:pPr marL="12700">
+              <a:lnSpc>
+                <a:spcPct val="100000"/>
+              </a:lnSpc>
+              <a:spcBef>
+                <a:spcPts val="100"/>
+              </a:spcBef>
+            </a:pPr>
+            <a:r>
+              <a:rPr lang="en-GB" sz="1400" spc="-5" dirty="0">
+                <a:solidFill>
+                  <a:srgbClr val="202729"/>
+                </a:solidFill>
+                <a:cs typeface="Calibri"/>
+              </a:rPr>
+              <a:t>A. Bifet, R. </a:t>
+            </a:r>
+            <a:r>
+              <a:rPr lang="en-GB" sz="1400" spc="-5" dirty="0" err="1">
+                <a:solidFill>
+                  <a:srgbClr val="202729"/>
+                </a:solidFill>
+                <a:cs typeface="Calibri"/>
+              </a:rPr>
+              <a:t>Gavald`a</a:t>
+            </a:r>
+            <a:r>
+              <a:rPr lang="en-GB" sz="1400" spc="-5" dirty="0">
+                <a:solidFill>
+                  <a:srgbClr val="202729"/>
+                </a:solidFill>
+                <a:cs typeface="Calibri"/>
+              </a:rPr>
+              <a:t>. </a:t>
+            </a:r>
+            <a:r>
+              <a:rPr lang="en-GB" sz="1400" b="1" spc="-5" dirty="0">
+                <a:solidFill>
+                  <a:srgbClr val="202729"/>
+                </a:solidFill>
+                <a:cs typeface="Calibri"/>
+              </a:rPr>
+              <a:t>Adaptive Parameter-free Learning from Evolving Data Streams</a:t>
+            </a:r>
+            <a:r>
+              <a:rPr lang="en-GB" sz="1400" spc="-5" dirty="0">
+                <a:solidFill>
+                  <a:srgbClr val="202729"/>
+                </a:solidFill>
+                <a:cs typeface="Calibri"/>
+              </a:rPr>
+              <a:t>. IDA, 2009</a:t>
+            </a:r>
+          </a:p>
+        </p:txBody>
+      </p:sp>
     </p:spTree>
     <p:extLst>
       <p:ext uri="{BB962C8B-B14F-4D97-AF65-F5344CB8AC3E}">
-        <p14:creationId xmlns:p14="http://schemas.microsoft.com/office/powerpoint/2010/main" val="894322023"/>
+        <p14:creationId xmlns:p14="http://schemas.microsoft.com/office/powerpoint/2010/main" val="1828412140"/>
       </p:ext>
     </p:extLst>
   </p:cSld>
@@ -10683,10 +12216,10 @@
       </p:grpSpPr>
       <p:sp>
         <p:nvSpPr>
-          <p:cNvPr id="3" name="Slide Number Placeholder 2">
+          <p:cNvPr id="4" name="Title 3">
             <a:extLst>
               <a:ext uri="{FF2B5EF4-FFF2-40B4-BE49-F238E27FC236}">
-                <a16:creationId xmlns:a16="http://schemas.microsoft.com/office/drawing/2014/main" id="{FCB8DC23-31C2-BA4E-7FC3-D8D0CD553113}"/>
+                <a16:creationId xmlns:a16="http://schemas.microsoft.com/office/drawing/2014/main" id="{63E607AF-4C45-EF70-7885-3B2A3ACD65BD}"/>
               </a:ext>
             </a:extLst>
           </p:cNvPr>
@@ -10694,6 +12227,34 @@
             <a:spLocks noGrp="1"/>
           </p:cNvSpPr>
           <p:nvPr>
+            <p:ph type="title"/>
+          </p:nvPr>
+        </p:nvSpPr>
+        <p:spPr/>
+        <p:txBody>
+          <a:bodyPr/>
+          <a:lstStyle/>
+          <a:p>
+            <a:r>
+              <a:rPr lang="en-US" dirty="0"/>
+              <a:t>ARF Regressor</a:t>
+            </a:r>
+          </a:p>
+        </p:txBody>
+      </p:sp>
+      <p:sp>
+        <p:nvSpPr>
+          <p:cNvPr id="3" name="Slide Number Placeholder 2">
+            <a:extLst>
+              <a:ext uri="{FF2B5EF4-FFF2-40B4-BE49-F238E27FC236}">
+                <a16:creationId xmlns:a16="http://schemas.microsoft.com/office/drawing/2014/main" id="{2A591F49-3458-7E90-1995-2728306046D3}"/>
+              </a:ext>
+            </a:extLst>
+          </p:cNvPr>
+          <p:cNvSpPr>
+            <a:spLocks noGrp="1"/>
+          </p:cNvSpPr>
+          <p:nvPr>
             <p:ph type="sldNum" sz="quarter" idx="11"/>
           </p:nvPr>
         </p:nvSpPr>
@@ -10712,398 +12273,114 @@
       </p:sp>
       <p:sp>
         <p:nvSpPr>
-          <p:cNvPr id="7" name="Title 6">
+          <p:cNvPr id="20" name="object 18">
             <a:extLst>
               <a:ext uri="{FF2B5EF4-FFF2-40B4-BE49-F238E27FC236}">
-                <a16:creationId xmlns:a16="http://schemas.microsoft.com/office/drawing/2014/main" id="{2484BAED-368C-0176-7086-72C4D6BC88B2}"/>
+                <a16:creationId xmlns:a16="http://schemas.microsoft.com/office/drawing/2014/main" id="{3D51F4A2-E485-7F59-7A1A-642571700484}"/>
               </a:ext>
             </a:extLst>
           </p:cNvPr>
-          <p:cNvSpPr>
-            <a:spLocks noGrp="1"/>
-          </p:cNvSpPr>
-          <p:nvPr>
-            <p:ph type="title"/>
-          </p:nvPr>
-        </p:nvSpPr>
-        <p:spPr/>
-        <p:txBody>
-          <a:bodyPr/>
+          <p:cNvSpPr txBox="1"/>
+          <p:nvPr/>
+        </p:nvSpPr>
+        <p:spPr>
+          <a:xfrm>
+            <a:off x="2891999" y="6054191"/>
+            <a:ext cx="6408000" cy="228268"/>
+          </a:xfrm>
+          <a:prstGeom prst="rect">
+            <a:avLst/>
+          </a:prstGeom>
+          <a:ln>
+            <a:solidFill>
+              <a:schemeClr val="tx1"/>
+            </a:solidFill>
+          </a:ln>
+        </p:spPr>
+        <p:txBody>
+          <a:bodyPr vert="horz" wrap="square" lIns="0" tIns="12700" rIns="0" bIns="0" rtlCol="0">
+            <a:spAutoFit/>
+          </a:bodyPr>
           <a:lstStyle/>
           <a:p>
-            <a:r>
-              <a:rPr lang="en-US" dirty="0"/>
-              <a:t>Credits</a:t>
-            </a:r>
-          </a:p>
-        </p:txBody>
-      </p:sp>
-      <p:sp>
-        <p:nvSpPr>
-          <p:cNvPr id="8" name="Content Placeholder 7">
-            <a:extLst>
-              <a:ext uri="{FF2B5EF4-FFF2-40B4-BE49-F238E27FC236}">
-                <a16:creationId xmlns:a16="http://schemas.microsoft.com/office/drawing/2014/main" id="{6AB52CA5-D1C9-009F-4A6B-6A1A292333F1}"/>
-              </a:ext>
-            </a:extLst>
-          </p:cNvPr>
-          <p:cNvSpPr>
-            <a:spLocks noGrp="1"/>
-          </p:cNvSpPr>
-          <p:nvPr>
-            <p:ph sz="half" idx="1"/>
-          </p:nvPr>
-        </p:nvSpPr>
-        <p:spPr/>
-        <p:txBody>
-          <a:bodyPr/>
-          <a:lstStyle/>
-          <a:p>
-            <a:pPr marL="298450" indent="-285750">
+            <a:pPr marL="12700">
               <a:lnSpc>
                 <a:spcPct val="100000"/>
               </a:lnSpc>
               <a:spcBef>
-                <a:spcPts val="1035"/>
+                <a:spcPts val="100"/>
               </a:spcBef>
-              <a:buClr>
-                <a:srgbClr val="616161"/>
-              </a:buClr>
-              <a:buSzPct val="88888"/>
-              <a:buFont typeface="Arial"/>
-              <a:buChar char="•"/>
-              <a:tabLst>
-                <a:tab pos="297815" algn="l"/>
-                <a:tab pos="298450" algn="l"/>
-              </a:tabLst>
             </a:pPr>
             <a:r>
-              <a:rPr lang="it-IT" sz="2800" spc="-5" dirty="0">
+              <a:rPr lang="it-IT" sz="1400" spc="-5" dirty="0">
                 <a:solidFill>
                   <a:srgbClr val="202729"/>
                 </a:solidFill>
                 <a:latin typeface="Calibri"/>
                 <a:cs typeface="Calibri"/>
               </a:rPr>
-              <a:t>Albert</a:t>
-            </a:r>
-            <a:r>
-              <a:rPr lang="it-IT" sz="2800" spc="5" dirty="0">
+              <a:t>Gomes, H. M., et al. </a:t>
+            </a:r>
+            <a:r>
+              <a:rPr lang="it-IT" sz="1400" b="1" dirty="0" err="1"/>
+              <a:t>Adaptive</a:t>
+            </a:r>
+            <a:r>
+              <a:rPr lang="it-IT" sz="1400" b="1" dirty="0"/>
+              <a:t> random </a:t>
+            </a:r>
+            <a:r>
+              <a:rPr lang="it-IT" sz="1400" b="1" dirty="0" err="1"/>
+              <a:t>forests</a:t>
+            </a:r>
+            <a:r>
+              <a:rPr lang="it-IT" sz="1400" b="1" dirty="0"/>
+              <a:t> for data stream </a:t>
+            </a:r>
+            <a:r>
+              <a:rPr lang="it-IT" sz="1400" b="1" dirty="0" err="1"/>
+              <a:t>regression</a:t>
+            </a:r>
+            <a:r>
+              <a:rPr lang="it-IT" sz="1400" spc="-5" dirty="0">
                 <a:solidFill>
                   <a:srgbClr val="202729"/>
                 </a:solidFill>
                 <a:latin typeface="Calibri"/>
                 <a:cs typeface="Calibri"/>
               </a:rPr>
-              <a:t> </a:t>
-            </a:r>
-            <a:r>
-              <a:rPr lang="it-IT" sz="2800" spc="-5" dirty="0">
+              <a:t>. </a:t>
+            </a:r>
+            <a:r>
+              <a:rPr lang="it-IT" sz="1400" dirty="0"/>
+              <a:t>ESANN</a:t>
+            </a:r>
+            <a:r>
+              <a:rPr lang="it-IT" sz="1400" b="0" dirty="0">
                 <a:solidFill>
-                  <a:srgbClr val="202729"/>
+                  <a:srgbClr val="222222"/>
                 </a:solidFill>
-                <a:latin typeface="Calibri"/>
-                <a:cs typeface="Calibri"/>
+                <a:effectLst/>
+                <a:latin typeface="Arial" panose="020B0604020202020204" pitchFamily="34" charset="0"/>
               </a:rPr>
-              <a:t>Bifet</a:t>
-            </a:r>
-            <a:r>
-              <a:rPr lang="it-IT" sz="2800" spc="5" dirty="0">
-                <a:solidFill>
-                  <a:srgbClr val="202729"/>
-                </a:solidFill>
-                <a:latin typeface="Calibri"/>
-                <a:cs typeface="Calibri"/>
-              </a:rPr>
-              <a:t> </a:t>
-            </a:r>
-            <a:r>
-              <a:rPr lang="it-IT" sz="2800" spc="-5" dirty="0">
-                <a:solidFill>
-                  <a:srgbClr val="202729"/>
-                </a:solidFill>
-                <a:latin typeface="Calibri"/>
-                <a:cs typeface="Calibri"/>
-              </a:rPr>
-              <a:t>DATA</a:t>
-            </a:r>
-            <a:r>
-              <a:rPr lang="it-IT" sz="2800" spc="10" dirty="0">
-                <a:solidFill>
-                  <a:srgbClr val="202729"/>
-                </a:solidFill>
-                <a:latin typeface="Calibri"/>
-                <a:cs typeface="Calibri"/>
-              </a:rPr>
-              <a:t> </a:t>
-            </a:r>
-            <a:r>
-              <a:rPr lang="it-IT" sz="2800" spc="-5" dirty="0">
-                <a:solidFill>
-                  <a:srgbClr val="202729"/>
-                </a:solidFill>
-                <a:latin typeface="Calibri"/>
-                <a:cs typeface="Calibri"/>
-              </a:rPr>
-              <a:t>STREAM</a:t>
-            </a:r>
-            <a:r>
-              <a:rPr lang="it-IT" sz="2800" spc="5" dirty="0">
-                <a:solidFill>
-                  <a:srgbClr val="202729"/>
-                </a:solidFill>
-                <a:latin typeface="Calibri"/>
-                <a:cs typeface="Calibri"/>
-              </a:rPr>
-              <a:t> </a:t>
-            </a:r>
-            <a:r>
-              <a:rPr lang="it-IT" sz="2800" spc="-5" dirty="0">
-                <a:solidFill>
-                  <a:srgbClr val="202729"/>
-                </a:solidFill>
-                <a:latin typeface="Calibri"/>
-                <a:cs typeface="Calibri"/>
-              </a:rPr>
-              <a:t>MINING</a:t>
-            </a:r>
-            <a:r>
-              <a:rPr lang="it-IT" sz="2800" spc="10" dirty="0">
-                <a:solidFill>
-                  <a:srgbClr val="202729"/>
-                </a:solidFill>
-                <a:latin typeface="Calibri"/>
-                <a:cs typeface="Calibri"/>
-              </a:rPr>
-              <a:t> </a:t>
-            </a:r>
-            <a:r>
-              <a:rPr lang="it-IT" sz="2800" spc="-5" dirty="0">
-                <a:solidFill>
-                  <a:srgbClr val="202729"/>
-                </a:solidFill>
-                <a:latin typeface="Calibri"/>
-                <a:cs typeface="Calibri"/>
-              </a:rPr>
-              <a:t>2020-2021</a:t>
-            </a:r>
-            <a:r>
-              <a:rPr lang="it-IT" sz="2800" spc="15" dirty="0">
-                <a:solidFill>
-                  <a:srgbClr val="202729"/>
-                </a:solidFill>
-                <a:latin typeface="Calibri"/>
-                <a:cs typeface="Calibri"/>
-              </a:rPr>
-              <a:t> </a:t>
-            </a:r>
-            <a:r>
-              <a:rPr lang="it-IT" sz="2800" spc="-5" dirty="0" err="1">
-                <a:solidFill>
-                  <a:srgbClr val="202729"/>
-                </a:solidFill>
-                <a:latin typeface="Calibri"/>
-                <a:cs typeface="Calibri"/>
-              </a:rPr>
-              <a:t>course</a:t>
-            </a:r>
-            <a:r>
-              <a:rPr lang="it-IT" sz="2800" spc="10" dirty="0">
-                <a:solidFill>
-                  <a:srgbClr val="202729"/>
-                </a:solidFill>
-                <a:latin typeface="Calibri"/>
-                <a:cs typeface="Calibri"/>
-              </a:rPr>
-              <a:t> </a:t>
-            </a:r>
-            <a:r>
-              <a:rPr lang="it-IT" sz="2800" spc="-5" dirty="0" err="1">
-                <a:solidFill>
-                  <a:srgbClr val="202729"/>
-                </a:solidFill>
-                <a:latin typeface="Calibri"/>
-                <a:cs typeface="Calibri"/>
-              </a:rPr>
-              <a:t>at</a:t>
-            </a:r>
-            <a:r>
-              <a:rPr lang="it-IT" sz="2800" spc="5" dirty="0">
-                <a:solidFill>
-                  <a:srgbClr val="202729"/>
-                </a:solidFill>
-                <a:latin typeface="Calibri"/>
-                <a:cs typeface="Calibri"/>
-              </a:rPr>
-              <a:t> </a:t>
-            </a:r>
-            <a:r>
-              <a:rPr lang="it-IT" sz="2800" spc="-5" dirty="0">
-                <a:solidFill>
-                  <a:srgbClr val="202729"/>
-                </a:solidFill>
-                <a:latin typeface="Calibri"/>
-                <a:cs typeface="Calibri"/>
-              </a:rPr>
-              <a:t>Telecom</a:t>
-            </a:r>
-            <a:r>
-              <a:rPr lang="it-IT" sz="2800" spc="15" dirty="0">
-                <a:solidFill>
-                  <a:srgbClr val="202729"/>
-                </a:solidFill>
-                <a:latin typeface="Calibri"/>
-                <a:cs typeface="Calibri"/>
-              </a:rPr>
-              <a:t> </a:t>
-            </a:r>
-            <a:r>
-              <a:rPr lang="it-IT" sz="2800" spc="-5" dirty="0">
-                <a:solidFill>
-                  <a:srgbClr val="202729"/>
-                </a:solidFill>
-                <a:latin typeface="Calibri"/>
-                <a:cs typeface="Calibri"/>
-              </a:rPr>
-              <a:t>Paris</a:t>
-            </a:r>
-            <a:endParaRPr lang="it-IT" sz="2800" dirty="0">
+              <a:t>, 2018</a:t>
+            </a:r>
+            <a:endParaRPr lang="it-IT" sz="1400" spc="-5" dirty="0">
+              <a:solidFill>
+                <a:srgbClr val="202729"/>
+              </a:solidFill>
               <a:latin typeface="Calibri"/>
               <a:cs typeface="Calibri"/>
             </a:endParaRPr>
           </a:p>
-          <a:p>
-            <a:pPr marL="298450" indent="-285750">
-              <a:lnSpc>
-                <a:spcPct val="100000"/>
-              </a:lnSpc>
-              <a:spcBef>
-                <a:spcPts val="935"/>
-              </a:spcBef>
-              <a:buClr>
-                <a:srgbClr val="616161"/>
-              </a:buClr>
-              <a:buSzPct val="88888"/>
-              <a:buFont typeface="Arial"/>
-              <a:buChar char="•"/>
-              <a:tabLst>
-                <a:tab pos="297815" algn="l"/>
-                <a:tab pos="298450" algn="l"/>
-              </a:tabLst>
-            </a:pPr>
-            <a:r>
-              <a:rPr lang="it-IT" sz="2800" spc="-5" dirty="0">
-                <a:solidFill>
-                  <a:srgbClr val="202729"/>
-                </a:solidFill>
-                <a:latin typeface="Calibri"/>
-                <a:cs typeface="Calibri"/>
-              </a:rPr>
-              <a:t>Alessio</a:t>
-            </a:r>
-            <a:r>
-              <a:rPr lang="it-IT" sz="2800" dirty="0">
-                <a:solidFill>
-                  <a:srgbClr val="202729"/>
-                </a:solidFill>
-                <a:latin typeface="Calibri"/>
-                <a:cs typeface="Calibri"/>
-              </a:rPr>
-              <a:t> </a:t>
-            </a:r>
-            <a:r>
-              <a:rPr lang="it-IT" sz="2800" spc="-5" dirty="0">
-                <a:solidFill>
-                  <a:srgbClr val="202729"/>
-                </a:solidFill>
-                <a:latin typeface="Calibri"/>
-                <a:cs typeface="Calibri"/>
-              </a:rPr>
-              <a:t>Bernardo</a:t>
-            </a:r>
-            <a:r>
-              <a:rPr lang="it-IT" sz="2800" spc="5" dirty="0">
-                <a:solidFill>
-                  <a:srgbClr val="202729"/>
-                </a:solidFill>
-                <a:latin typeface="Calibri"/>
-                <a:cs typeface="Calibri"/>
-              </a:rPr>
-              <a:t> </a:t>
-            </a:r>
-            <a:r>
-              <a:rPr lang="it-IT" sz="2800" dirty="0">
-                <a:solidFill>
-                  <a:srgbClr val="202729"/>
-                </a:solidFill>
-                <a:latin typeface="Calibri"/>
-                <a:cs typeface="Calibri"/>
-              </a:rPr>
-              <a:t>&amp; </a:t>
-            </a:r>
-            <a:r>
-              <a:rPr lang="it-IT" sz="2800" spc="-5" dirty="0">
-                <a:solidFill>
-                  <a:srgbClr val="202729"/>
-                </a:solidFill>
-                <a:latin typeface="Calibri"/>
-                <a:cs typeface="Calibri"/>
-              </a:rPr>
-              <a:t>Emanuele</a:t>
-            </a:r>
-            <a:r>
-              <a:rPr lang="it-IT" sz="2800" spc="5" dirty="0">
-                <a:solidFill>
-                  <a:srgbClr val="202729"/>
-                </a:solidFill>
-                <a:latin typeface="Calibri"/>
-                <a:cs typeface="Calibri"/>
-              </a:rPr>
-              <a:t> </a:t>
-            </a:r>
-            <a:r>
-              <a:rPr lang="it-IT" sz="2800" dirty="0">
-                <a:solidFill>
-                  <a:srgbClr val="202729"/>
-                </a:solidFill>
-                <a:latin typeface="Calibri"/>
-                <a:cs typeface="Calibri"/>
-              </a:rPr>
-              <a:t>Della</a:t>
-            </a:r>
-            <a:r>
-              <a:rPr lang="it-IT" sz="2800" spc="5" dirty="0">
-                <a:solidFill>
-                  <a:srgbClr val="202729"/>
-                </a:solidFill>
-                <a:latin typeface="Calibri"/>
-                <a:cs typeface="Calibri"/>
-              </a:rPr>
-              <a:t> </a:t>
-            </a:r>
-            <a:r>
-              <a:rPr lang="it-IT" sz="2800" spc="-5" dirty="0">
-                <a:solidFill>
-                  <a:srgbClr val="202729"/>
-                </a:solidFill>
-                <a:latin typeface="Calibri"/>
-                <a:cs typeface="Calibri"/>
-              </a:rPr>
-              <a:t>Valle</a:t>
-            </a:r>
-            <a:endParaRPr lang="it-IT" sz="2800" dirty="0">
-              <a:latin typeface="Calibri"/>
-              <a:cs typeface="Calibri"/>
-            </a:endParaRPr>
-          </a:p>
-        </p:txBody>
-      </p:sp>
-      <p:sp>
-        <p:nvSpPr>
-          <p:cNvPr id="4" name="Footer Placeholder 1">
+        </p:txBody>
+      </p:sp>
+      <p:sp>
+        <p:nvSpPr>
+          <p:cNvPr id="5" name="Footer Placeholder 1">
             <a:extLst>
               <a:ext uri="{FF2B5EF4-FFF2-40B4-BE49-F238E27FC236}">
-                <a16:creationId xmlns:a16="http://schemas.microsoft.com/office/drawing/2014/main" id="{868BF7BE-3B5C-3573-79D9-90930998ADEF}"/>
+                <a16:creationId xmlns:a16="http://schemas.microsoft.com/office/drawing/2014/main" id="{77907C65-A885-1D9E-9D5C-D8112CF0F4E6}"/>
               </a:ext>
             </a:extLst>
           </p:cNvPr>
@@ -11131,10 +12408,250 @@
           </a:p>
         </p:txBody>
       </p:sp>
+      <p:sp>
+        <p:nvSpPr>
+          <p:cNvPr id="11" name="CasellaDiTesto 10">
+            <a:extLst>
+              <a:ext uri="{FF2B5EF4-FFF2-40B4-BE49-F238E27FC236}">
+                <a16:creationId xmlns:a16="http://schemas.microsoft.com/office/drawing/2014/main" id="{43128874-C0DE-4AD5-1A65-69387D434197}"/>
+              </a:ext>
+            </a:extLst>
+          </p:cNvPr>
+          <p:cNvSpPr txBox="1"/>
+          <p:nvPr/>
+        </p:nvSpPr>
+        <p:spPr>
+          <a:xfrm>
+            <a:off x="4267200" y="5150069"/>
+            <a:ext cx="0" cy="0"/>
+          </a:xfrm>
+          <a:prstGeom prst="rect">
+            <a:avLst/>
+          </a:prstGeom>
+        </p:spPr>
+        <p:txBody>
+          <a:bodyPr vert="horz" wrap="none" lIns="91440" tIns="45720" rIns="91440" bIns="45720" rtlCol="0">
+            <a:normAutofit fontScale="25000" lnSpcReduction="20000"/>
+          </a:bodyPr>
+          <a:lstStyle/>
+          <a:p>
+            <a:pPr algn="l"/>
+            <a:endParaRPr lang="it-IT" sz="4000" b="0" dirty="0">
+              <a:solidFill>
+                <a:schemeClr val="bg1"/>
+              </a:solidFill>
+            </a:endParaRPr>
+          </a:p>
+        </p:txBody>
+      </p:sp>
+      <p:sp>
+        <p:nvSpPr>
+          <p:cNvPr id="7" name="object 3">
+            <a:extLst>
+              <a:ext uri="{FF2B5EF4-FFF2-40B4-BE49-F238E27FC236}">
+                <a16:creationId xmlns:a16="http://schemas.microsoft.com/office/drawing/2014/main" id="{F3140F72-1333-E0B6-E815-A6679BC79079}"/>
+              </a:ext>
+            </a:extLst>
+          </p:cNvPr>
+          <p:cNvSpPr txBox="1"/>
+          <p:nvPr/>
+        </p:nvSpPr>
+        <p:spPr>
+          <a:xfrm>
+            <a:off x="950555" y="1690688"/>
+            <a:ext cx="10403244" cy="3690754"/>
+          </a:xfrm>
+          <a:prstGeom prst="rect">
+            <a:avLst/>
+          </a:prstGeom>
+        </p:spPr>
+        <p:txBody>
+          <a:bodyPr vert="horz" wrap="square" lIns="0" tIns="12700" rIns="0" bIns="0" rtlCol="0">
+            <a:spAutoFit/>
+          </a:bodyPr>
+          <a:lstStyle/>
+          <a:p>
+            <a:pPr marL="469900" indent="-457200">
+              <a:spcBef>
+                <a:spcPts val="100"/>
+              </a:spcBef>
+              <a:buSzPct val="75000"/>
+              <a:buFont typeface="Arial" panose="020B0604020202020204" pitchFamily="34" charset="0"/>
+              <a:buChar char="•"/>
+              <a:tabLst>
+                <a:tab pos="354965" algn="l"/>
+                <a:tab pos="355600" algn="l"/>
+              </a:tabLst>
+            </a:pPr>
+            <a:r>
+              <a:rPr lang="en-GB" sz="2600" b="1" spc="-5" dirty="0">
+                <a:cs typeface="Calibri"/>
+              </a:rPr>
+              <a:t>Base Learners</a:t>
+            </a:r>
+            <a:r>
+              <a:rPr lang="en-GB" sz="2600" spc="-5" dirty="0">
+                <a:cs typeface="Calibri"/>
+              </a:rPr>
+              <a:t>: Hoeffding Tree Regressors</a:t>
+            </a:r>
+          </a:p>
+          <a:p>
+            <a:pPr marL="469900" indent="-457200">
+              <a:spcBef>
+                <a:spcPts val="100"/>
+              </a:spcBef>
+              <a:buSzPct val="75000"/>
+              <a:buFont typeface="Arial" panose="020B0604020202020204" pitchFamily="34" charset="0"/>
+              <a:buChar char="•"/>
+              <a:tabLst>
+                <a:tab pos="354965" algn="l"/>
+                <a:tab pos="355600" algn="l"/>
+              </a:tabLst>
+            </a:pPr>
+            <a:r>
+              <a:rPr lang="en-GB" sz="2600" b="1" spc="-5" dirty="0">
+                <a:cs typeface="Calibri"/>
+              </a:rPr>
+              <a:t>Diversity</a:t>
+            </a:r>
+            <a:r>
+              <a:rPr lang="en-GB" sz="2600" spc="-5" dirty="0">
+                <a:cs typeface="Calibri"/>
+              </a:rPr>
+              <a:t>: Leveraging Bagging + </a:t>
+            </a:r>
+            <a:r>
+              <a:rPr lang="en-GB" sz="2600" b="1" spc="-5" dirty="0">
+                <a:cs typeface="Calibri"/>
+              </a:rPr>
+              <a:t>Local</a:t>
+            </a:r>
+            <a:r>
+              <a:rPr lang="en-GB" sz="2600" spc="-5" dirty="0">
+                <a:cs typeface="Calibri"/>
+              </a:rPr>
+              <a:t> Random Subspaces</a:t>
+            </a:r>
+          </a:p>
+          <a:p>
+            <a:pPr marL="469900" indent="-457200">
+              <a:spcBef>
+                <a:spcPts val="100"/>
+              </a:spcBef>
+              <a:buSzPct val="75000"/>
+              <a:buFont typeface="Arial" panose="020B0604020202020204" pitchFamily="34" charset="0"/>
+              <a:buChar char="•"/>
+              <a:tabLst>
+                <a:tab pos="354965" algn="l"/>
+                <a:tab pos="355600" algn="l"/>
+              </a:tabLst>
+            </a:pPr>
+            <a:r>
+              <a:rPr lang="en-GB" sz="2600" b="1" spc="-5" dirty="0">
+                <a:cs typeface="Calibri"/>
+              </a:rPr>
+              <a:t>Combination</a:t>
+            </a:r>
+            <a:r>
+              <a:rPr lang="en-GB" sz="2600" spc="-5" dirty="0">
+                <a:cs typeface="Calibri"/>
+              </a:rPr>
+              <a:t>:</a:t>
+            </a:r>
+          </a:p>
+          <a:p>
+            <a:pPr marL="927100" lvl="1" indent="-457200">
+              <a:spcBef>
+                <a:spcPts val="100"/>
+              </a:spcBef>
+              <a:buSzPct val="75000"/>
+              <a:buFont typeface="Wingdings" pitchFamily="2" charset="2"/>
+              <a:buChar char="Ø"/>
+              <a:tabLst>
+                <a:tab pos="354965" algn="l"/>
+                <a:tab pos="355600" algn="l"/>
+              </a:tabLst>
+            </a:pPr>
+            <a:r>
+              <a:rPr lang="en-GB" sz="2600" spc="-5" dirty="0">
+                <a:cs typeface="Calibri"/>
+              </a:rPr>
+              <a:t>Flat architecture</a:t>
+            </a:r>
+          </a:p>
+          <a:p>
+            <a:pPr marL="469900" indent="-457200">
+              <a:spcBef>
+                <a:spcPts val="100"/>
+              </a:spcBef>
+              <a:buSzPct val="75000"/>
+              <a:buFont typeface="Arial" panose="020B0604020202020204" pitchFamily="34" charset="0"/>
+              <a:buChar char="•"/>
+              <a:tabLst>
+                <a:tab pos="354965" algn="l"/>
+                <a:tab pos="355600" algn="l"/>
+              </a:tabLst>
+            </a:pPr>
+            <a:r>
+              <a:rPr lang="en-GB" sz="2600" b="1" spc="-5" dirty="0">
+                <a:cs typeface="Calibri"/>
+              </a:rPr>
+              <a:t>Voting:</a:t>
+            </a:r>
+          </a:p>
+          <a:p>
+            <a:pPr marL="927100" lvl="1" indent="-457200">
+              <a:spcBef>
+                <a:spcPts val="100"/>
+              </a:spcBef>
+              <a:buSzPct val="75000"/>
+              <a:buFont typeface="Wingdings" pitchFamily="2" charset="2"/>
+              <a:buChar char="Ø"/>
+              <a:tabLst>
+                <a:tab pos="354965" algn="l"/>
+                <a:tab pos="355600" algn="l"/>
+              </a:tabLst>
+            </a:pPr>
+            <a:r>
+              <a:rPr lang="en-GB" sz="2600" spc="-5" dirty="0">
+                <a:cs typeface="Calibri"/>
+              </a:rPr>
+              <a:t>Mean, Regression model or Adaptive, i.e., chooses between ‘Mean’ and ‘Regression model’ dynamically</a:t>
+            </a:r>
+          </a:p>
+          <a:p>
+            <a:pPr marL="469900" indent="-457200">
+              <a:spcBef>
+                <a:spcPts val="100"/>
+              </a:spcBef>
+              <a:buSzPct val="75000"/>
+              <a:buFont typeface="Arial" panose="020B0604020202020204" pitchFamily="34" charset="0"/>
+              <a:buChar char="•"/>
+              <a:tabLst>
+                <a:tab pos="354965" algn="l"/>
+                <a:tab pos="355600" algn="l"/>
+              </a:tabLst>
+            </a:pPr>
+            <a:r>
+              <a:rPr lang="en-GB" sz="2600" b="1" spc="-5" dirty="0">
+                <a:cs typeface="Calibri"/>
+              </a:rPr>
+              <a:t>Adaptation</a:t>
+            </a:r>
+            <a:r>
+              <a:rPr lang="en-GB" sz="2600" spc="-5" dirty="0">
+                <a:cs typeface="Calibri"/>
+              </a:rPr>
+              <a:t>: Adaptive window + warning period (train background learners)</a:t>
+            </a:r>
+          </a:p>
+        </p:txBody>
+      </p:sp>
     </p:spTree>
     <p:extLst>
       <p:ext uri="{BB962C8B-B14F-4D97-AF65-F5344CB8AC3E}">
-        <p14:creationId xmlns:p14="http://schemas.microsoft.com/office/powerpoint/2010/main" val="392971268"/>
+        <p14:creationId xmlns:p14="http://schemas.microsoft.com/office/powerpoint/2010/main" val="2104042083"/>
       </p:ext>
     </p:extLst>
   </p:cSld>
@@ -11163,10 +12680,10 @@
       </p:grpSpPr>
       <p:sp>
         <p:nvSpPr>
-          <p:cNvPr id="2" name="Title 1">
+          <p:cNvPr id="4" name="Title 3">
             <a:extLst>
               <a:ext uri="{FF2B5EF4-FFF2-40B4-BE49-F238E27FC236}">
-                <a16:creationId xmlns:a16="http://schemas.microsoft.com/office/drawing/2014/main" id="{733C4407-7C6D-344F-83C7-E8743D9BDEB4}"/>
+                <a16:creationId xmlns:a16="http://schemas.microsoft.com/office/drawing/2014/main" id="{63E607AF-4C45-EF70-7885-3B2A3ACD65BD}"/>
               </a:ext>
             </a:extLst>
           </p:cNvPr>
@@ -11174,46 +12691,27 @@
             <a:spLocks noGrp="1"/>
           </p:cNvSpPr>
           <p:nvPr>
-            <p:ph type="ctrTitle"/>
+            <p:ph type="title"/>
           </p:nvPr>
         </p:nvSpPr>
-        <p:spPr>
-          <a:xfrm>
-            <a:off x="699407" y="1494433"/>
-            <a:ext cx="9797142" cy="1904999"/>
-          </a:xfrm>
-        </p:spPr>
+        <p:spPr/>
         <p:txBody>
           <a:bodyPr/>
           <a:lstStyle/>
           <a:p>
             <a:r>
               <a:rPr lang="en-US" dirty="0"/>
-              <a:t>Streaming Machine Learning</a:t>
-            </a:r>
-            <a:br>
-              <a:rPr lang="en-US" dirty="0"/>
-            </a:br>
-            <a:r>
-              <a:rPr lang="en-US" sz="4400" dirty="0"/>
-              <a:t>Regression</a:t>
-            </a:r>
-            <a:br>
-              <a:rPr lang="en-US" dirty="0"/>
-            </a:br>
-            <a:br>
-              <a:rPr lang="en-US" dirty="0"/>
-            </a:br>
-            <a:endParaRPr lang="en-US" noProof="0" dirty="0"/>
-          </a:p>
-        </p:txBody>
-      </p:sp>
-      <p:sp>
-        <p:nvSpPr>
-          <p:cNvPr id="8" name="Subtitle 7">
+              <a:t>SRP Regressor</a:t>
+            </a:r>
+          </a:p>
+        </p:txBody>
+      </p:sp>
+      <p:sp>
+        <p:nvSpPr>
+          <p:cNvPr id="3" name="Slide Number Placeholder 2">
             <a:extLst>
               <a:ext uri="{FF2B5EF4-FFF2-40B4-BE49-F238E27FC236}">
-                <a16:creationId xmlns:a16="http://schemas.microsoft.com/office/drawing/2014/main" id="{D4858F37-1763-AD46-910A-3C7ECD45A186}"/>
+                <a16:creationId xmlns:a16="http://schemas.microsoft.com/office/drawing/2014/main" id="{2A591F49-3458-7E90-1995-2728306046D3}"/>
               </a:ext>
             </a:extLst>
           </p:cNvPr>
@@ -11221,45 +12719,394 @@
             <a:spLocks noGrp="1"/>
           </p:cNvSpPr>
           <p:nvPr>
-            <p:ph type="subTitle" idx="1"/>
+            <p:ph type="sldNum" sz="quarter" idx="11"/>
+          </p:nvPr>
+        </p:nvSpPr>
+        <p:spPr/>
+        <p:txBody>
+          <a:bodyPr/>
+          <a:lstStyle/>
+          <a:p>
+            <a:fld id="{0365D038-E70F-B244-A1AE-4DC4A8F32122}" type="slidenum">
+              <a:rPr lang="it-IT" smtClean="0"/>
+              <a:t>9</a:t>
+            </a:fld>
+            <a:endParaRPr lang="it-IT" dirty="0"/>
+          </a:p>
+        </p:txBody>
+      </p:sp>
+      <p:sp>
+        <p:nvSpPr>
+          <p:cNvPr id="5" name="Footer Placeholder 1">
+            <a:extLst>
+              <a:ext uri="{FF2B5EF4-FFF2-40B4-BE49-F238E27FC236}">
+                <a16:creationId xmlns:a16="http://schemas.microsoft.com/office/drawing/2014/main" id="{77907C65-A885-1D9E-9D5C-D8112CF0F4E6}"/>
+              </a:ext>
+            </a:extLst>
+          </p:cNvPr>
+          <p:cNvSpPr>
+            <a:spLocks noGrp="1"/>
+          </p:cNvSpPr>
+          <p:nvPr>
+            <p:ph type="ftr" sz="quarter" idx="10"/>
           </p:nvPr>
         </p:nvSpPr>
         <p:spPr>
           <a:xfrm>
-            <a:off x="699407" y="4411067"/>
-            <a:ext cx="9797142" cy="1904999"/>
+            <a:off x="3270173" y="6356350"/>
+            <a:ext cx="5651653" cy="365125"/>
           </a:xfrm>
         </p:spPr>
         <p:txBody>
-          <a:bodyPr>
-            <a:normAutofit/>
+          <a:bodyPr/>
+          <a:lstStyle/>
+          <a:p>
+            <a:r>
+              <a:rPr lang="it-IT" dirty="0"/>
+              <a:t>Alessio Bernardo - alessio.bernardo@polimi.it</a:t>
+            </a:r>
+          </a:p>
+        </p:txBody>
+      </p:sp>
+      <p:sp>
+        <p:nvSpPr>
+          <p:cNvPr id="11" name="CasellaDiTesto 10">
+            <a:extLst>
+              <a:ext uri="{FF2B5EF4-FFF2-40B4-BE49-F238E27FC236}">
+                <a16:creationId xmlns:a16="http://schemas.microsoft.com/office/drawing/2014/main" id="{43128874-C0DE-4AD5-1A65-69387D434197}"/>
+              </a:ext>
+            </a:extLst>
+          </p:cNvPr>
+          <p:cNvSpPr txBox="1"/>
+          <p:nvPr/>
+        </p:nvSpPr>
+        <p:spPr>
+          <a:xfrm>
+            <a:off x="4267200" y="5150069"/>
+            <a:ext cx="0" cy="0"/>
+          </a:xfrm>
+          <a:prstGeom prst="rect">
+            <a:avLst/>
+          </a:prstGeom>
+        </p:spPr>
+        <p:txBody>
+          <a:bodyPr vert="horz" wrap="none" lIns="91440" tIns="45720" rIns="91440" bIns="45720" rtlCol="0">
+            <a:normAutofit fontScale="25000" lnSpcReduction="20000"/>
           </a:bodyPr>
           <a:lstStyle/>
           <a:p>
-            <a:pPr lvl="0"/>
-            <a:r>
-              <a:rPr lang="en-GB" sz="3500" dirty="0">
+            <a:pPr algn="l"/>
+            <a:endParaRPr lang="it-IT" sz="4000" b="0" dirty="0">
+              <a:solidFill>
+                <a:schemeClr val="bg1"/>
+              </a:solidFill>
+            </a:endParaRPr>
+          </a:p>
+        </p:txBody>
+      </p:sp>
+      <p:sp>
+        <p:nvSpPr>
+          <p:cNvPr id="7" name="object 3">
+            <a:extLst>
+              <a:ext uri="{FF2B5EF4-FFF2-40B4-BE49-F238E27FC236}">
+                <a16:creationId xmlns:a16="http://schemas.microsoft.com/office/drawing/2014/main" id="{F3140F72-1333-E0B6-E815-A6679BC79079}"/>
+              </a:ext>
+            </a:extLst>
+          </p:cNvPr>
+          <p:cNvSpPr txBox="1"/>
+          <p:nvPr/>
+        </p:nvSpPr>
+        <p:spPr>
+          <a:xfrm>
+            <a:off x="950555" y="1690688"/>
+            <a:ext cx="10403244" cy="3290644"/>
+          </a:xfrm>
+          <a:prstGeom prst="rect">
+            <a:avLst/>
+          </a:prstGeom>
+        </p:spPr>
+        <p:txBody>
+          <a:bodyPr vert="horz" wrap="square" lIns="0" tIns="12700" rIns="0" bIns="0" rtlCol="0">
+            <a:spAutoFit/>
+          </a:bodyPr>
+          <a:lstStyle/>
+          <a:p>
+            <a:pPr marL="469900" indent="-457200">
+              <a:spcBef>
+                <a:spcPts val="100"/>
+              </a:spcBef>
+              <a:buSzPct val="75000"/>
+              <a:buFont typeface="Arial" panose="020B0604020202020204" pitchFamily="34" charset="0"/>
+              <a:buChar char="•"/>
+              <a:tabLst>
+                <a:tab pos="354965" algn="l"/>
+                <a:tab pos="355600" algn="l"/>
+              </a:tabLst>
+            </a:pPr>
+            <a:r>
+              <a:rPr lang="en-GB" sz="2600" b="1" spc="-5" dirty="0">
+                <a:cs typeface="Calibri"/>
+              </a:rPr>
+              <a:t>Base Learners</a:t>
+            </a:r>
+            <a:r>
+              <a:rPr lang="en-GB" sz="2600" spc="-5" dirty="0">
+                <a:cs typeface="Calibri"/>
+              </a:rPr>
+              <a:t>: User choice</a:t>
+            </a:r>
+          </a:p>
+          <a:p>
+            <a:pPr marL="469900" indent="-457200">
+              <a:spcBef>
+                <a:spcPts val="100"/>
+              </a:spcBef>
+              <a:buSzPct val="75000"/>
+              <a:buFont typeface="Arial" panose="020B0604020202020204" pitchFamily="34" charset="0"/>
+              <a:buChar char="•"/>
+              <a:tabLst>
+                <a:tab pos="354965" algn="l"/>
+                <a:tab pos="355600" algn="l"/>
+              </a:tabLst>
+            </a:pPr>
+            <a:r>
+              <a:rPr lang="en-GB" sz="2600" b="1" spc="-5" dirty="0">
+                <a:cs typeface="Calibri"/>
+              </a:rPr>
+              <a:t>Diversity</a:t>
+            </a:r>
+            <a:r>
+              <a:rPr lang="en-GB" sz="2600" spc="-5" dirty="0">
+                <a:cs typeface="Calibri"/>
+              </a:rPr>
+              <a:t>: Leveraging Bagging + </a:t>
+            </a:r>
+            <a:r>
+              <a:rPr lang="en-GB" sz="2600" b="1" spc="-5" dirty="0">
+                <a:cs typeface="Calibri"/>
+              </a:rPr>
+              <a:t>Global</a:t>
+            </a:r>
+            <a:r>
+              <a:rPr lang="en-GB" sz="2600" spc="-5" dirty="0">
+                <a:cs typeface="Calibri"/>
+              </a:rPr>
+              <a:t> Random Subspaces</a:t>
+            </a:r>
+          </a:p>
+          <a:p>
+            <a:pPr marL="469900" indent="-457200">
+              <a:spcBef>
+                <a:spcPts val="100"/>
+              </a:spcBef>
+              <a:buSzPct val="75000"/>
+              <a:buFont typeface="Arial" panose="020B0604020202020204" pitchFamily="34" charset="0"/>
+              <a:buChar char="•"/>
+              <a:tabLst>
+                <a:tab pos="354965" algn="l"/>
+                <a:tab pos="355600" algn="l"/>
+              </a:tabLst>
+            </a:pPr>
+            <a:r>
+              <a:rPr lang="en-GB" sz="2600" b="1" spc="-5" dirty="0">
+                <a:cs typeface="Calibri"/>
+              </a:rPr>
+              <a:t>Combination</a:t>
+            </a:r>
+            <a:r>
+              <a:rPr lang="en-GB" sz="2600" spc="-5" dirty="0">
+                <a:cs typeface="Calibri"/>
+              </a:rPr>
+              <a:t>:</a:t>
+            </a:r>
+          </a:p>
+          <a:p>
+            <a:pPr marL="927100" lvl="1" indent="-457200">
+              <a:spcBef>
+                <a:spcPts val="100"/>
+              </a:spcBef>
+              <a:buSzPct val="75000"/>
+              <a:buFont typeface="Wingdings" pitchFamily="2" charset="2"/>
+              <a:buChar char="Ø"/>
+              <a:tabLst>
+                <a:tab pos="354965" algn="l"/>
+                <a:tab pos="355600" algn="l"/>
+              </a:tabLst>
+            </a:pPr>
+            <a:r>
+              <a:rPr lang="en-GB" sz="2600" spc="-5" dirty="0">
+                <a:cs typeface="Calibri"/>
+              </a:rPr>
+              <a:t>Flat architecture</a:t>
+            </a:r>
+          </a:p>
+          <a:p>
+            <a:pPr marL="469900" indent="-457200">
+              <a:spcBef>
+                <a:spcPts val="100"/>
+              </a:spcBef>
+              <a:buSzPct val="75000"/>
+              <a:buFont typeface="Arial" panose="020B0604020202020204" pitchFamily="34" charset="0"/>
+              <a:buChar char="•"/>
+              <a:tabLst>
+                <a:tab pos="354965" algn="l"/>
+                <a:tab pos="355600" algn="l"/>
+              </a:tabLst>
+            </a:pPr>
+            <a:r>
+              <a:rPr lang="en-GB" sz="2600" b="1" spc="-5" dirty="0">
+                <a:cs typeface="Calibri"/>
+              </a:rPr>
+              <a:t>Voting:</a:t>
+            </a:r>
+          </a:p>
+          <a:p>
+            <a:pPr marL="927100" lvl="1" indent="-457200">
+              <a:spcBef>
+                <a:spcPts val="100"/>
+              </a:spcBef>
+              <a:buSzPct val="75000"/>
+              <a:buFont typeface="Wingdings" pitchFamily="2" charset="2"/>
+              <a:buChar char="Ø"/>
+              <a:tabLst>
+                <a:tab pos="354965" algn="l"/>
+                <a:tab pos="355600" algn="l"/>
+              </a:tabLst>
+            </a:pPr>
+            <a:r>
+              <a:rPr lang="en-GB" sz="2600" spc="-5">
+                <a:cs typeface="Calibri"/>
+              </a:rPr>
+              <a:t>Base learner’s voting strategy</a:t>
+            </a:r>
+          </a:p>
+          <a:p>
+            <a:pPr marL="469900" indent="-457200">
+              <a:spcBef>
+                <a:spcPts val="100"/>
+              </a:spcBef>
+              <a:buSzPct val="75000"/>
+              <a:buFont typeface="Arial" panose="020B0604020202020204" pitchFamily="34" charset="0"/>
+              <a:buChar char="•"/>
+              <a:tabLst>
+                <a:tab pos="354965" algn="l"/>
+                <a:tab pos="355600" algn="l"/>
+              </a:tabLst>
+            </a:pPr>
+            <a:r>
+              <a:rPr lang="en-GB" sz="2600" b="1" spc="-5">
+                <a:cs typeface="Calibri"/>
+              </a:rPr>
+              <a:t>Adaptation</a:t>
+            </a:r>
+            <a:r>
+              <a:rPr lang="en-GB" sz="2600" spc="-5" dirty="0">
+                <a:cs typeface="Calibri"/>
+              </a:rPr>
+              <a:t>: Adaptive window + warning period (train background learners)</a:t>
+            </a:r>
+          </a:p>
+        </p:txBody>
+      </p:sp>
+      <p:sp>
+        <p:nvSpPr>
+          <p:cNvPr id="2" name="object 18">
+            <a:extLst>
+              <a:ext uri="{FF2B5EF4-FFF2-40B4-BE49-F238E27FC236}">
+                <a16:creationId xmlns:a16="http://schemas.microsoft.com/office/drawing/2014/main" id="{2B3A8FD3-465D-FD29-2369-03099F1A2C49}"/>
+              </a:ext>
+            </a:extLst>
+          </p:cNvPr>
+          <p:cNvSpPr txBox="1"/>
+          <p:nvPr/>
+        </p:nvSpPr>
+        <p:spPr>
+          <a:xfrm>
+            <a:off x="2372177" y="6054191"/>
+            <a:ext cx="7560000" cy="228268"/>
+          </a:xfrm>
+          <a:prstGeom prst="rect">
+            <a:avLst/>
+          </a:prstGeom>
+          <a:ln>
+            <a:solidFill>
+              <a:schemeClr val="tx1"/>
+            </a:solidFill>
+          </a:ln>
+        </p:spPr>
+        <p:txBody>
+          <a:bodyPr vert="horz" wrap="square" lIns="0" tIns="12700" rIns="0" bIns="0" rtlCol="0">
+            <a:spAutoFit/>
+          </a:bodyPr>
+          <a:lstStyle/>
+          <a:p>
+            <a:pPr algn="ctr">
+              <a:lnSpc>
+                <a:spcPct val="100000"/>
+              </a:lnSpc>
+              <a:spcBef>
+                <a:spcPts val="50"/>
+              </a:spcBef>
+            </a:pPr>
+            <a:r>
+              <a:rPr lang="it-IT" sz="1400" spc="-5" dirty="0">
                 <a:solidFill>
-                  <a:schemeClr val="bg1">
-                    <a:lumMod val="50000"/>
-                  </a:schemeClr>
+                  <a:srgbClr val="202729"/>
                 </a:solidFill>
+                <a:latin typeface="Calibri"/>
+                <a:cs typeface="Calibri"/>
               </a:rPr>
-              <a:t>Alessio Bernardo</a:t>
-            </a:r>
-          </a:p>
-          <a:p>
-            <a:pPr lvl="0"/>
-            <a:r>
-              <a:rPr lang="en-GB" sz="2000" dirty="0"/>
-              <a:t>Post-doc @ Politecnico di Milano</a:t>
-            </a:r>
-          </a:p>
-          <a:p>
-            <a:pPr lvl="0"/>
-            <a:r>
-              <a:rPr lang="en-GB" sz="2000" dirty="0"/>
-              <a:t>CTO &amp; Co-founder @ Motus ml</a:t>
+              <a:t>Gomes, Read and Bifet. </a:t>
+            </a:r>
+            <a:r>
+              <a:rPr lang="it-IT" sz="1400" b="1" spc="-5" dirty="0">
+                <a:solidFill>
+                  <a:srgbClr val="202729"/>
+                </a:solidFill>
+                <a:latin typeface="Calibri"/>
+                <a:cs typeface="Calibri"/>
+              </a:rPr>
+              <a:t>Streaming Random Patches for </a:t>
+            </a:r>
+            <a:r>
+              <a:rPr lang="it-IT" sz="1400" b="1" spc="-5" dirty="0" err="1">
+                <a:solidFill>
+                  <a:srgbClr val="202729"/>
+                </a:solidFill>
+                <a:latin typeface="Calibri"/>
+                <a:cs typeface="Calibri"/>
+              </a:rPr>
+              <a:t>Evolving</a:t>
+            </a:r>
+            <a:r>
+              <a:rPr lang="it-IT" sz="1400" b="1" spc="-5" dirty="0">
+                <a:solidFill>
+                  <a:srgbClr val="202729"/>
+                </a:solidFill>
+                <a:latin typeface="Calibri"/>
+                <a:cs typeface="Calibri"/>
+              </a:rPr>
+              <a:t> Data Stream </a:t>
+            </a:r>
+            <a:r>
+              <a:rPr lang="it-IT" sz="1400" b="1" spc="-5" dirty="0" err="1">
+                <a:solidFill>
+                  <a:srgbClr val="202729"/>
+                </a:solidFill>
+                <a:latin typeface="Calibri"/>
+                <a:cs typeface="Calibri"/>
+              </a:rPr>
+              <a:t>Classification</a:t>
+            </a:r>
+            <a:r>
+              <a:rPr lang="it-IT" sz="1400" spc="-5" dirty="0">
+                <a:solidFill>
+                  <a:srgbClr val="202729"/>
+                </a:solidFill>
+                <a:latin typeface="Calibri"/>
+                <a:cs typeface="Calibri"/>
+              </a:rPr>
+              <a:t>. ICDM, 2019</a:t>
             </a:r>
           </a:p>
         </p:txBody>
@@ -11267,7 +13114,7 @@
     </p:spTree>
     <p:extLst>
       <p:ext uri="{BB962C8B-B14F-4D97-AF65-F5344CB8AC3E}">
-        <p14:creationId xmlns:p14="http://schemas.microsoft.com/office/powerpoint/2010/main" val="2751362382"/>
+        <p14:creationId xmlns:p14="http://schemas.microsoft.com/office/powerpoint/2010/main" val="2956577256"/>
       </p:ext>
     </p:extLst>
   </p:cSld>
